--- a/slides/day2Recursion and Binary trees.pptx
+++ b/slides/day2Recursion and Binary trees.pptx
@@ -5,20 +5,25 @@
     <p:sldMasterId id="2147483648" r:id="rId1"/>
   </p:sldMasterIdLst>
   <p:notesMasterIdLst>
-    <p:notesMasterId r:id="rId10"/>
+    <p:notesMasterId r:id="rId15"/>
   </p:notesMasterIdLst>
   <p:handoutMasterIdLst>
-    <p:handoutMasterId r:id="rId11"/>
+    <p:handoutMasterId r:id="rId16"/>
   </p:handoutMasterIdLst>
   <p:sldIdLst>
     <p:sldId id="267" r:id="rId2"/>
     <p:sldId id="257" r:id="rId3"/>
     <p:sldId id="258" r:id="rId4"/>
-    <p:sldId id="261" r:id="rId5"/>
-    <p:sldId id="263" r:id="rId6"/>
-    <p:sldId id="264" r:id="rId7"/>
-    <p:sldId id="268" r:id="rId8"/>
-    <p:sldId id="265" r:id="rId9"/>
+    <p:sldId id="269" r:id="rId5"/>
+    <p:sldId id="270" r:id="rId6"/>
+    <p:sldId id="261" r:id="rId7"/>
+    <p:sldId id="271" r:id="rId8"/>
+    <p:sldId id="272" r:id="rId9"/>
+    <p:sldId id="263" r:id="rId10"/>
+    <p:sldId id="273" r:id="rId11"/>
+    <p:sldId id="264" r:id="rId12"/>
+    <p:sldId id="268" r:id="rId13"/>
+    <p:sldId id="265" r:id="rId14"/>
   </p:sldIdLst>
   <p:sldSz cx="9144000" cy="6858000" type="screen4x3"/>
   <p:notesSz cx="6884988" cy="10018713"/>
@@ -877,7 +882,7 @@
             <a:fld id="{05E6634E-5FB0-4C67-B5B9-7E7CCAE0F750}" type="slidenum">
               <a:rPr lang="da-DK"/>
               <a:pPr/>
-              <a:t>5</a:t>
+              <a:t>9</a:t>
             </a:fld>
             <a:endParaRPr lang="da-DK"/>
           </a:p>
@@ -1127,7 +1132,7 @@
                   <a:spcPct val="0"/>
                 </a:spcAft>
               </a:pPr>
-              <a:t>7</a:t>
+              <a:t>12</a:t>
             </a:fld>
             <a:endParaRPr lang="da-DK"/>
           </a:p>
@@ -1257,7 +1262,7 @@
           <a:p>
             <a:fld id="{B14F029F-485C-4A90-A4EB-B1BFD89C9398}" type="slidenum">
               <a:rPr lang="da-DK" smtClean="0"/>
-              <a:t>8</a:t>
+              <a:t>13</a:t>
             </a:fld>
             <a:endParaRPr lang="da-DK"/>
           </a:p>
@@ -4457,7 +4462,7 @@
 </p:sld>
 </file>
 
-<file path=ppt/slides/slide2.xml><?xml version="1.0" encoding="utf-8"?>
+<file path=ppt/slides/slide10.xml><?xml version="1.0" encoding="utf-8"?>
 <p:sld xmlns:a="http://schemas.openxmlformats.org/drawingml/2006/main" xmlns:r="http://schemas.openxmlformats.org/officeDocument/2006/relationships" xmlns:p="http://schemas.openxmlformats.org/presentationml/2006/main">
   <p:cSld>
     <p:spTree>
@@ -4476,6 +4481,71 @@
       </p:grpSpPr>
       <p:sp>
         <p:nvSpPr>
+          <p:cNvPr id="2" name="Title 1"/>
+          <p:cNvSpPr>
+            <a:spLocks noGrp="1"/>
+          </p:cNvSpPr>
+          <p:nvPr>
+            <p:ph type="title"/>
+          </p:nvPr>
+        </p:nvSpPr>
+        <p:spPr/>
+        <p:txBody>
+          <a:bodyPr/>
+          <a:lstStyle/>
+          <a:p>
+            <a:r>
+              <a:rPr lang="en-US" dirty="0" smtClean="0"/>
+              <a:t>Exercise B9</a:t>
+            </a:r>
+            <a:endParaRPr lang="en-US" dirty="0"/>
+          </a:p>
+        </p:txBody>
+      </p:sp>
+      <p:sp>
+        <p:nvSpPr>
+          <p:cNvPr id="3" name="Content Placeholder 2"/>
+          <p:cNvSpPr>
+            <a:spLocks noGrp="1"/>
+          </p:cNvSpPr>
+          <p:nvPr>
+            <p:ph idx="1"/>
+          </p:nvPr>
+        </p:nvSpPr>
+        <p:spPr/>
+        <p:txBody>
+          <a:bodyPr/>
+          <a:lstStyle/>
+          <a:p>
+            <a:endParaRPr lang="en-US"/>
+          </a:p>
+        </p:txBody>
+      </p:sp>
+      <p:sp>
+        <p:nvSpPr>
+          <p:cNvPr id="4" name="Date Placeholder 3"/>
+          <p:cNvSpPr>
+            <a:spLocks noGrp="1"/>
+          </p:cNvSpPr>
+          <p:nvPr>
+            <p:ph type="dt" sz="half" idx="10"/>
+          </p:nvPr>
+        </p:nvSpPr>
+        <p:spPr/>
+        <p:txBody>
+          <a:bodyPr/>
+          <a:lstStyle/>
+          <a:p>
+            <a:r>
+              <a:rPr lang="da-DK" smtClean="0"/>
+              <a:t>hau</a:t>
+            </a:r>
+            <a:endParaRPr lang="da-DK"/>
+          </a:p>
+        </p:txBody>
+      </p:sp>
+      <p:sp>
+        <p:nvSpPr>
           <p:cNvPr id="5" name="Footer Placeholder 4"/>
           <p:cNvSpPr>
             <a:spLocks noGrp="1"/>
@@ -4499,186 +4569,7 @@
       </p:sp>
       <p:sp>
         <p:nvSpPr>
-          <p:cNvPr id="54274" name="Rectangle 2"/>
-          <p:cNvSpPr>
-            <a:spLocks noGrp="1" noChangeArrowheads="1"/>
-          </p:cNvSpPr>
-          <p:nvPr>
-            <p:ph type="title"/>
-          </p:nvPr>
-        </p:nvSpPr>
-        <p:spPr/>
-        <p:txBody>
-          <a:bodyPr>
-            <a:normAutofit fontScale="90000"/>
-          </a:bodyPr>
-          <a:lstStyle/>
-          <a:p>
-            <a:r>
-              <a:rPr lang="da-DK" sz="4000" dirty="0" smtClean="0"/>
-              <a:t>A </a:t>
-            </a:r>
-            <a:r>
-              <a:rPr lang="da-DK" sz="4000" dirty="0" err="1" smtClean="0"/>
-              <a:t>recursive</a:t>
-            </a:r>
-            <a:r>
-              <a:rPr lang="da-DK" sz="4000" dirty="0" smtClean="0"/>
-              <a:t> solution:</a:t>
-            </a:r>
-            <a:br>
-              <a:rPr lang="da-DK" sz="4000" dirty="0" smtClean="0"/>
-            </a:br>
-            <a:r>
-              <a:rPr lang="da-DK" sz="4000" dirty="0" smtClean="0"/>
-              <a:t>Is </a:t>
-            </a:r>
-            <a:r>
-              <a:rPr lang="da-DK" sz="4000" dirty="0" err="1" smtClean="0"/>
-              <a:t>built</a:t>
-            </a:r>
-            <a:r>
-              <a:rPr lang="da-DK" sz="4000" dirty="0" smtClean="0"/>
-              <a:t> on the </a:t>
-            </a:r>
-            <a:r>
-              <a:rPr lang="da-DK" sz="4000" dirty="0" err="1" smtClean="0"/>
-              <a:t>idea</a:t>
-            </a:r>
-            <a:r>
-              <a:rPr lang="da-DK" sz="4000" dirty="0" smtClean="0"/>
-              <a:t> </a:t>
-            </a:r>
-            <a:r>
-              <a:rPr lang="da-DK" sz="4000" dirty="0" err="1" smtClean="0"/>
-              <a:t>that</a:t>
-            </a:r>
-            <a:r>
-              <a:rPr lang="da-DK" sz="4000" dirty="0" smtClean="0"/>
-              <a:t> ..</a:t>
-            </a:r>
-            <a:endParaRPr lang="da-DK" sz="2800" dirty="0"/>
-          </a:p>
-        </p:txBody>
-      </p:sp>
-      <p:sp>
-        <p:nvSpPr>
-          <p:cNvPr id="54275" name="Rectangle 3"/>
-          <p:cNvSpPr>
-            <a:spLocks noGrp="1" noChangeArrowheads="1"/>
-          </p:cNvSpPr>
-          <p:nvPr>
-            <p:ph type="body" idx="1"/>
-          </p:nvPr>
-        </p:nvSpPr>
-        <p:spPr>
-          <a:xfrm>
-            <a:off x="304800" y="1600200"/>
-            <a:ext cx="8610600" cy="4525963"/>
-          </a:xfrm>
-        </p:spPr>
-        <p:txBody>
-          <a:bodyPr>
-            <a:normAutofit/>
-          </a:bodyPr>
-          <a:lstStyle/>
-          <a:p>
-            <a:r>
-              <a:rPr lang="da-DK" dirty="0" err="1" smtClean="0"/>
-              <a:t>Either</a:t>
-            </a:r>
-            <a:r>
-              <a:rPr lang="da-DK" dirty="0" smtClean="0"/>
-              <a:t> the solution is </a:t>
-            </a:r>
-            <a:r>
-              <a:rPr lang="da-DK" dirty="0" err="1" smtClean="0"/>
-              <a:t>straight</a:t>
-            </a:r>
-            <a:r>
-              <a:rPr lang="da-DK" dirty="0" smtClean="0"/>
-              <a:t> forward  (</a:t>
-            </a:r>
-            <a:r>
-              <a:rPr lang="da-DK" dirty="0" err="1" smtClean="0"/>
-              <a:t>obvious</a:t>
-            </a:r>
-            <a:r>
-              <a:rPr lang="da-DK" dirty="0" smtClean="0"/>
-              <a:t> )</a:t>
-            </a:r>
-          </a:p>
-          <a:p>
-            <a:r>
-              <a:rPr lang="da-DK" dirty="0" smtClean="0"/>
-              <a:t>Or the solution </a:t>
-            </a:r>
-            <a:r>
-              <a:rPr lang="da-DK" dirty="0" err="1" smtClean="0"/>
-              <a:t>can</a:t>
-            </a:r>
-            <a:r>
-              <a:rPr lang="da-DK" dirty="0" smtClean="0"/>
-              <a:t> </a:t>
-            </a:r>
-            <a:r>
-              <a:rPr lang="da-DK" dirty="0" err="1" smtClean="0"/>
-              <a:t>be</a:t>
-            </a:r>
-            <a:r>
-              <a:rPr lang="da-DK" dirty="0" smtClean="0"/>
-              <a:t> </a:t>
-            </a:r>
-            <a:r>
-              <a:rPr lang="da-DK" dirty="0" err="1" smtClean="0"/>
-              <a:t>expressed</a:t>
-            </a:r>
-            <a:r>
-              <a:rPr lang="da-DK" dirty="0" smtClean="0"/>
-              <a:t> in terms of the solution to a ”</a:t>
-            </a:r>
-            <a:r>
-              <a:rPr lang="da-DK" b="1" dirty="0" smtClean="0"/>
-              <a:t>smaller</a:t>
-            </a:r>
-            <a:r>
-              <a:rPr lang="da-DK" dirty="0" smtClean="0"/>
-              <a:t>” problem of ”</a:t>
-            </a:r>
-            <a:r>
-              <a:rPr lang="da-DK" b="1" dirty="0" smtClean="0"/>
-              <a:t>the same type” </a:t>
-            </a:r>
-            <a:endParaRPr lang="da-DK" b="1" dirty="0"/>
-          </a:p>
-        </p:txBody>
-      </p:sp>
-      <p:sp>
-        <p:nvSpPr>
-          <p:cNvPr id="2" name="Date Placeholder 1"/>
-          <p:cNvSpPr>
-            <a:spLocks noGrp="1"/>
-          </p:cNvSpPr>
-          <p:nvPr>
-            <p:ph type="dt" sz="half" idx="10"/>
-          </p:nvPr>
-        </p:nvSpPr>
-        <p:spPr/>
-        <p:txBody>
-          <a:bodyPr/>
-          <a:lstStyle/>
-          <a:p>
-            <a:r>
-              <a:rPr lang="da-DK" smtClean="0"/>
-              <a:t>hau</a:t>
-            </a:r>
-            <a:endParaRPr lang="da-DK"/>
-          </a:p>
-        </p:txBody>
-      </p:sp>
-      <p:sp>
-        <p:nvSpPr>
-          <p:cNvPr id="3" name="Slide Number Placeholder 2"/>
+          <p:cNvPr id="6" name="Slide Number Placeholder 5"/>
           <p:cNvSpPr>
             <a:spLocks noGrp="1"/>
           </p:cNvSpPr>
@@ -4693,7 +4584,7 @@
           <a:p>
             <a:fld id="{DAB94411-2297-4BD0-B197-35E3682289EC}" type="slidenum">
               <a:rPr lang="da-DK" smtClean="0"/>
-              <a:t>2</a:t>
+              <a:t>10</a:t>
             </a:fld>
             <a:endParaRPr lang="da-DK"/>
           </a:p>
@@ -4702,24 +4593,17 @@
     </p:spTree>
     <p:extLst>
       <p:ext uri="{BB962C8B-B14F-4D97-AF65-F5344CB8AC3E}">
-        <p14:creationId xmlns:p14="http://schemas.microsoft.com/office/powerpoint/2010/main" val="633466242"/>
+        <p14:creationId xmlns:p14="http://schemas.microsoft.com/office/powerpoint/2010/main" val="1328478202"/>
       </p:ext>
     </p:extLst>
   </p:cSld>
   <p:clrMapOvr>
     <a:masterClrMapping/>
   </p:clrMapOvr>
-  <p:timing>
-    <p:tnLst>
-      <p:par>
-        <p:cTn id="1" dur="indefinite" restart="never" nodeType="tmRoot"/>
-      </p:par>
-    </p:tnLst>
-  </p:timing>
 </p:sld>
 </file>
 
-<file path=ppt/slides/slide3.xml><?xml version="1.0" encoding="utf-8"?>
+<file path=ppt/slides/slide11.xml><?xml version="1.0" encoding="utf-8"?>
 <p:sld xmlns:a="http://schemas.openxmlformats.org/drawingml/2006/main" xmlns:r="http://schemas.openxmlformats.org/officeDocument/2006/relationships" xmlns:p="http://schemas.openxmlformats.org/presentationml/2006/main">
   <p:cSld>
     <p:spTree>
@@ -4738,1285 +4622,6 @@
       </p:grpSpPr>
       <p:sp>
         <p:nvSpPr>
-          <p:cNvPr id="55298" name="Rectangle 2"/>
-          <p:cNvSpPr>
-            <a:spLocks noGrp="1" noChangeArrowheads="1"/>
-          </p:cNvSpPr>
-          <p:nvPr>
-            <p:ph type="title"/>
-          </p:nvPr>
-        </p:nvSpPr>
-        <p:spPr/>
-        <p:txBody>
-          <a:bodyPr>
-            <a:normAutofit/>
-          </a:bodyPr>
-          <a:lstStyle/>
-          <a:p>
-            <a:r>
-              <a:rPr lang="da-DK" sz="4000" dirty="0" smtClean="0"/>
-              <a:t>A </a:t>
-            </a:r>
-            <a:r>
-              <a:rPr lang="da-DK" sz="4000" dirty="0" err="1" smtClean="0"/>
-              <a:t>recursive</a:t>
-            </a:r>
-            <a:r>
-              <a:rPr lang="da-DK" sz="4000" dirty="0" smtClean="0"/>
-              <a:t> Java </a:t>
-            </a:r>
-            <a:r>
-              <a:rPr lang="da-DK" sz="4000" dirty="0" err="1" smtClean="0"/>
-              <a:t>method</a:t>
-            </a:r>
-            <a:endParaRPr lang="da-DK" sz="2800" dirty="0"/>
-          </a:p>
-        </p:txBody>
-      </p:sp>
-      <p:sp>
-        <p:nvSpPr>
-          <p:cNvPr id="55299" name="Rectangle 3"/>
-          <p:cNvSpPr>
-            <a:spLocks noGrp="1" noChangeArrowheads="1"/>
-          </p:cNvSpPr>
-          <p:nvPr>
-            <p:ph type="body" idx="1"/>
-          </p:nvPr>
-        </p:nvSpPr>
-        <p:spPr/>
-        <p:txBody>
-          <a:bodyPr/>
-          <a:lstStyle/>
-          <a:p>
-            <a:pPr marL="533400" indent="-533400">
-              <a:lnSpc>
-                <a:spcPct val="90000"/>
-              </a:lnSpc>
-              <a:buFontTx/>
-              <a:buAutoNum type="arabicPeriod"/>
-            </a:pPr>
-            <a:r>
-              <a:rPr lang="da-DK" dirty="0" smtClean="0"/>
-              <a:t>The </a:t>
-            </a:r>
-            <a:r>
-              <a:rPr lang="da-DK" dirty="0" err="1" smtClean="0"/>
-              <a:t>method</a:t>
-            </a:r>
-            <a:r>
-              <a:rPr lang="da-DK" dirty="0" smtClean="0"/>
-              <a:t> </a:t>
-            </a:r>
-            <a:r>
-              <a:rPr lang="da-DK" dirty="0" err="1" smtClean="0"/>
-              <a:t>calls</a:t>
-            </a:r>
-            <a:r>
-              <a:rPr lang="da-DK" dirty="0" smtClean="0"/>
-              <a:t> </a:t>
-            </a:r>
-            <a:r>
-              <a:rPr lang="da-DK" dirty="0" err="1" smtClean="0"/>
-              <a:t>itself</a:t>
-            </a:r>
-            <a:r>
-              <a:rPr lang="da-DK" dirty="0" smtClean="0"/>
-              <a:t> (”</a:t>
-            </a:r>
-            <a:r>
-              <a:rPr lang="da-DK" dirty="0" err="1" smtClean="0"/>
-              <a:t>recursive</a:t>
-            </a:r>
-            <a:r>
-              <a:rPr lang="da-DK" dirty="0" smtClean="0"/>
-              <a:t> </a:t>
-            </a:r>
-            <a:r>
-              <a:rPr lang="da-DK" dirty="0" err="1" smtClean="0"/>
-              <a:t>call</a:t>
-            </a:r>
-            <a:r>
-              <a:rPr lang="da-DK" dirty="0" smtClean="0"/>
-              <a:t>”)</a:t>
-            </a:r>
-          </a:p>
-          <a:p>
-            <a:pPr marL="533400" indent="-533400">
-              <a:lnSpc>
-                <a:spcPct val="90000"/>
-              </a:lnSpc>
-              <a:buFontTx/>
-              <a:buAutoNum type="arabicPeriod"/>
-            </a:pPr>
-            <a:r>
-              <a:rPr lang="da-DK" dirty="0" smtClean="0"/>
-              <a:t>The </a:t>
-            </a:r>
-            <a:r>
-              <a:rPr lang="da-DK" b="1" dirty="0" err="1" smtClean="0"/>
-              <a:t>recursive</a:t>
-            </a:r>
-            <a:r>
-              <a:rPr lang="da-DK" b="1" dirty="0" smtClean="0"/>
-              <a:t> </a:t>
-            </a:r>
-            <a:r>
-              <a:rPr lang="da-DK" b="1" dirty="0" err="1" smtClean="0"/>
-              <a:t>call</a:t>
-            </a:r>
-            <a:r>
-              <a:rPr lang="da-DK" b="1" dirty="0" smtClean="0"/>
-              <a:t> </a:t>
-            </a:r>
-            <a:r>
-              <a:rPr lang="da-DK" dirty="0" err="1" smtClean="0"/>
-              <a:t>solves</a:t>
-            </a:r>
-            <a:r>
-              <a:rPr lang="da-DK" dirty="0" smtClean="0"/>
-              <a:t> a smaller problem </a:t>
-            </a:r>
-            <a:endParaRPr lang="da-DK" dirty="0"/>
-          </a:p>
-          <a:p>
-            <a:pPr marL="533400" indent="-533400">
-              <a:lnSpc>
-                <a:spcPct val="90000"/>
-              </a:lnSpc>
-              <a:buFontTx/>
-              <a:buAutoNum type="arabicPeriod"/>
-            </a:pPr>
-            <a:r>
-              <a:rPr lang="da-DK" dirty="0" smtClean="0"/>
-              <a:t>The </a:t>
-            </a:r>
-            <a:r>
-              <a:rPr lang="da-DK" dirty="0" err="1" smtClean="0"/>
-              <a:t>method</a:t>
-            </a:r>
-            <a:r>
-              <a:rPr lang="da-DK" dirty="0" smtClean="0"/>
-              <a:t> </a:t>
-            </a:r>
-            <a:r>
-              <a:rPr lang="da-DK" dirty="0" err="1" smtClean="0"/>
-              <a:t>determines</a:t>
-            </a:r>
-            <a:r>
-              <a:rPr lang="da-DK" dirty="0" smtClean="0"/>
-              <a:t> </a:t>
-            </a:r>
-            <a:r>
-              <a:rPr lang="da-DK" dirty="0" err="1" smtClean="0"/>
-              <a:t>whether</a:t>
-            </a:r>
-            <a:r>
-              <a:rPr lang="da-DK" dirty="0" smtClean="0"/>
-              <a:t> a ”</a:t>
-            </a:r>
-            <a:r>
-              <a:rPr lang="da-DK" b="1" dirty="0" smtClean="0"/>
-              <a:t>base-case</a:t>
-            </a:r>
-            <a:r>
-              <a:rPr lang="da-DK" dirty="0"/>
-              <a:t>” </a:t>
-            </a:r>
-            <a:r>
-              <a:rPr lang="da-DK" dirty="0" smtClean="0"/>
-              <a:t>has </a:t>
-            </a:r>
-            <a:r>
-              <a:rPr lang="da-DK" dirty="0" err="1" smtClean="0"/>
-              <a:t>been</a:t>
-            </a:r>
-            <a:r>
-              <a:rPr lang="da-DK" dirty="0" smtClean="0"/>
-              <a:t> </a:t>
-            </a:r>
-            <a:r>
-              <a:rPr lang="da-DK" dirty="0" err="1" smtClean="0"/>
-              <a:t>reached</a:t>
-            </a:r>
-            <a:r>
-              <a:rPr lang="da-DK" dirty="0" smtClean="0"/>
-              <a:t>. If </a:t>
-            </a:r>
-            <a:r>
-              <a:rPr lang="da-DK" dirty="0" err="1" smtClean="0"/>
-              <a:t>this</a:t>
-            </a:r>
-            <a:r>
-              <a:rPr lang="da-DK" dirty="0" smtClean="0"/>
-              <a:t> is the case, the </a:t>
-            </a:r>
-            <a:r>
-              <a:rPr lang="da-DK" dirty="0" err="1" smtClean="0"/>
-              <a:t>recursive</a:t>
-            </a:r>
-            <a:r>
-              <a:rPr lang="da-DK" dirty="0" smtClean="0"/>
-              <a:t> </a:t>
-            </a:r>
-            <a:r>
-              <a:rPr lang="da-DK" dirty="0" err="1" smtClean="0"/>
-              <a:t>call</a:t>
-            </a:r>
-            <a:r>
-              <a:rPr lang="da-DK" dirty="0" smtClean="0"/>
-              <a:t> is not made</a:t>
-            </a:r>
-            <a:endParaRPr lang="da-DK" dirty="0"/>
-          </a:p>
-          <a:p>
-            <a:pPr marL="533400" indent="-533400">
-              <a:lnSpc>
-                <a:spcPct val="90000"/>
-              </a:lnSpc>
-              <a:buFontTx/>
-              <a:buAutoNum type="arabicPeriod"/>
-            </a:pPr>
-            <a:r>
-              <a:rPr lang="da-DK" dirty="0" err="1" smtClean="0"/>
-              <a:t>Sooner</a:t>
-            </a:r>
-            <a:r>
-              <a:rPr lang="da-DK" dirty="0" smtClean="0"/>
-              <a:t> or </a:t>
-            </a:r>
-            <a:r>
-              <a:rPr lang="da-DK" dirty="0" err="1" smtClean="0"/>
-              <a:t>later</a:t>
-            </a:r>
-            <a:r>
-              <a:rPr lang="da-DK" dirty="0" smtClean="0"/>
-              <a:t>, the smaller problem </a:t>
-            </a:r>
-            <a:r>
-              <a:rPr lang="da-DK" dirty="0" err="1" smtClean="0"/>
-              <a:t>will</a:t>
-            </a:r>
-            <a:r>
-              <a:rPr lang="da-DK" dirty="0" smtClean="0"/>
-              <a:t> </a:t>
-            </a:r>
-            <a:r>
-              <a:rPr lang="da-DK" dirty="0" err="1" smtClean="0"/>
-              <a:t>turn</a:t>
-            </a:r>
-            <a:r>
-              <a:rPr lang="da-DK" dirty="0" smtClean="0"/>
-              <a:t> </a:t>
-            </a:r>
-            <a:r>
-              <a:rPr lang="da-DK" dirty="0" err="1" smtClean="0"/>
-              <a:t>into</a:t>
-            </a:r>
-            <a:r>
-              <a:rPr lang="da-DK" dirty="0" smtClean="0"/>
-              <a:t> the base case</a:t>
-            </a:r>
-            <a:endParaRPr lang="da-DK" dirty="0"/>
-          </a:p>
-        </p:txBody>
-      </p:sp>
-      <p:sp>
-        <p:nvSpPr>
-          <p:cNvPr id="55300" name="Oval 4"/>
-          <p:cNvSpPr>
-            <a:spLocks noChangeArrowheads="1"/>
-          </p:cNvSpPr>
-          <p:nvPr/>
-        </p:nvSpPr>
-        <p:spPr bwMode="auto">
-          <a:xfrm>
-            <a:off x="-1295400" y="3124200"/>
-            <a:ext cx="1066800" cy="990600"/>
-          </a:xfrm>
-          <a:prstGeom prst="ellipse">
-            <a:avLst/>
-          </a:prstGeom>
-          <a:solidFill>
-            <a:srgbClr val="FF0000"/>
-          </a:solidFill>
-          <a:ln w="9525">
-            <a:solidFill>
-              <a:schemeClr val="tx1"/>
-            </a:solidFill>
-            <a:round/>
-            <a:headEnd/>
-            <a:tailEnd/>
-          </a:ln>
-          <a:effectLst/>
-          <a:extLst>
-            <a:ext uri="{AF507438-7753-43E0-B8FC-AC1667EBCBE1}">
-              <a14:hiddenEffects xmlns:a14="http://schemas.microsoft.com/office/drawing/2010/main">
-                <a:effectLst>
-                  <a:outerShdw dist="35921" dir="2700000" algn="ctr" rotWithShape="0">
-                    <a:schemeClr val="bg2"/>
-                  </a:outerShdw>
-                </a:effectLst>
-              </a14:hiddenEffects>
-            </a:ext>
-          </a:extLst>
-        </p:spPr>
-        <p:txBody>
-          <a:bodyPr wrap="none" anchor="ctr"/>
-          <a:lstStyle/>
-          <a:p>
-            <a:endParaRPr lang="da-DK"/>
-          </a:p>
-        </p:txBody>
-      </p:sp>
-      <p:sp>
-        <p:nvSpPr>
-          <p:cNvPr id="2" name="Footer Placeholder 1"/>
-          <p:cNvSpPr>
-            <a:spLocks noGrp="1"/>
-          </p:cNvSpPr>
-          <p:nvPr>
-            <p:ph type="ftr" sz="quarter" idx="11"/>
-          </p:nvPr>
-        </p:nvSpPr>
-        <p:spPr/>
-        <p:txBody>
-          <a:bodyPr/>
-          <a:lstStyle/>
-          <a:p>
-            <a:r>
-              <a:rPr lang="da-DK" smtClean="0"/>
-              <a:t>Recursion and Binary Trees</a:t>
-            </a:r>
-            <a:endParaRPr lang="da-DK"/>
-          </a:p>
-        </p:txBody>
-      </p:sp>
-      <p:sp>
-        <p:nvSpPr>
-          <p:cNvPr id="3" name="Date Placeholder 2"/>
-          <p:cNvSpPr>
-            <a:spLocks noGrp="1"/>
-          </p:cNvSpPr>
-          <p:nvPr>
-            <p:ph type="dt" sz="half" idx="10"/>
-          </p:nvPr>
-        </p:nvSpPr>
-        <p:spPr/>
-        <p:txBody>
-          <a:bodyPr/>
-          <a:lstStyle/>
-          <a:p>
-            <a:r>
-              <a:rPr lang="da-DK" smtClean="0"/>
-              <a:t>hau</a:t>
-            </a:r>
-            <a:endParaRPr lang="da-DK"/>
-          </a:p>
-        </p:txBody>
-      </p:sp>
-      <p:sp>
-        <p:nvSpPr>
-          <p:cNvPr id="4" name="Slide Number Placeholder 3"/>
-          <p:cNvSpPr>
-            <a:spLocks noGrp="1"/>
-          </p:cNvSpPr>
-          <p:nvPr>
-            <p:ph type="sldNum" sz="quarter" idx="12"/>
-          </p:nvPr>
-        </p:nvSpPr>
-        <p:spPr/>
-        <p:txBody>
-          <a:bodyPr/>
-          <a:lstStyle/>
-          <a:p>
-            <a:fld id="{DAB94411-2297-4BD0-B197-35E3682289EC}" type="slidenum">
-              <a:rPr lang="da-DK" smtClean="0"/>
-              <a:t>3</a:t>
-            </a:fld>
-            <a:endParaRPr lang="da-DK"/>
-          </a:p>
-        </p:txBody>
-      </p:sp>
-    </p:spTree>
-    <p:extLst>
-      <p:ext uri="{BB962C8B-B14F-4D97-AF65-F5344CB8AC3E}">
-        <p14:creationId xmlns:p14="http://schemas.microsoft.com/office/powerpoint/2010/main" val="1258576271"/>
-      </p:ext>
-    </p:extLst>
-  </p:cSld>
-  <p:clrMapOvr>
-    <a:masterClrMapping/>
-  </p:clrMapOvr>
-  <p:timing>
-    <p:tnLst>
-      <p:par>
-        <p:cTn id="1" dur="indefinite" restart="never" nodeType="tmRoot">
-          <p:childTnLst>
-            <p:seq concurrent="1" nextAc="seek">
-              <p:cTn id="2" dur="indefinite" nodeType="mainSeq">
-                <p:childTnLst>
-                  <p:par>
-                    <p:cTn id="3" fill="hold" nodeType="clickPar">
-                      <p:stCondLst>
-                        <p:cond delay="indefinite"/>
-                        <p:cond evt="onBegin" delay="0">
-                          <p:tn val="2"/>
-                        </p:cond>
-                      </p:stCondLst>
-                      <p:childTnLst>
-                        <p:par>
-                          <p:cTn id="4" fill="hold" nodeType="withGroup">
-                            <p:stCondLst>
-                              <p:cond delay="0"/>
-                            </p:stCondLst>
-                            <p:childTnLst>
-                              <p:par>
-                                <p:cTn id="5" presetID="37" presetClass="path" presetSubtype="0" accel="50000" decel="50000" fill="hold" grpId="0" nodeType="afterEffect">
-                                  <p:stCondLst>
-                                    <p:cond delay="3000"/>
-                                  </p:stCondLst>
-                                  <p:childTnLst>
-                                    <p:animMotion origin="layout" path="M -0.11667 -0.06106 L 0.23819 0.037 C 0.31267 0.0592 0.42396 0.07192 0.5401 0.07192 C 0.67239 0.07192 0.77795 0.0592 0.85277 0.037 L 1.20833 -0.06106 " pathEditMode="relative" rAng="0" ptsTypes="FffFF">
-                                      <p:cBhvr>
-                                        <p:cTn id="6" dur="1000" fill="hold"/>
-                                        <p:tgtEl>
-                                          <p:spTgt spid="55300"/>
-                                        </p:tgtEl>
-                                        <p:attrNameLst>
-                                          <p:attrName>ppt_x</p:attrName>
-                                          <p:attrName>ppt_y</p:attrName>
-                                        </p:attrNameLst>
-                                      </p:cBhvr>
-                                      <p:rCtr x="66250" y="6637"/>
-                                    </p:animMotion>
-                                  </p:childTnLst>
-                                </p:cTn>
-                              </p:par>
-                            </p:childTnLst>
-                          </p:cTn>
-                        </p:par>
-                      </p:childTnLst>
-                    </p:cTn>
-                  </p:par>
-                </p:childTnLst>
-              </p:cTn>
-              <p:prevCondLst>
-                <p:cond evt="onPrev" delay="0">
-                  <p:tgtEl>
-                    <p:sldTgt/>
-                  </p:tgtEl>
-                </p:cond>
-              </p:prevCondLst>
-              <p:nextCondLst>
-                <p:cond evt="onNext" delay="0">
-                  <p:tgtEl>
-                    <p:sldTgt/>
-                  </p:tgtEl>
-                </p:cond>
-              </p:nextCondLst>
-            </p:seq>
-          </p:childTnLst>
-        </p:cTn>
-      </p:par>
-    </p:tnLst>
-    <p:bldLst>
-      <p:bldP spid="55300" grpId="0" animBg="1"/>
-    </p:bldLst>
-  </p:timing>
-</p:sld>
-</file>
-
-<file path=ppt/slides/slide4.xml><?xml version="1.0" encoding="utf-8"?>
-<p:sld xmlns:a="http://schemas.openxmlformats.org/drawingml/2006/main" xmlns:r="http://schemas.openxmlformats.org/officeDocument/2006/relationships" xmlns:p="http://schemas.openxmlformats.org/presentationml/2006/main">
-  <p:cSld>
-    <p:spTree>
-      <p:nvGrpSpPr>
-        <p:cNvPr id="1" name=""/>
-        <p:cNvGrpSpPr/>
-        <p:nvPr/>
-      </p:nvGrpSpPr>
-      <p:grpSpPr>
-        <a:xfrm>
-          <a:off x="0" y="0"/>
-          <a:ext cx="0" cy="0"/>
-          <a:chOff x="0" y="0"/>
-          <a:chExt cx="0" cy="0"/>
-        </a:xfrm>
-      </p:grpSpPr>
-      <p:sp>
-        <p:nvSpPr>
-          <p:cNvPr id="2" name="Title 1"/>
-          <p:cNvSpPr>
-            <a:spLocks noGrp="1"/>
-          </p:cNvSpPr>
-          <p:nvPr>
-            <p:ph type="title"/>
-          </p:nvPr>
-        </p:nvSpPr>
-        <p:spPr/>
-        <p:txBody>
-          <a:bodyPr>
-            <a:normAutofit/>
-          </a:bodyPr>
-          <a:lstStyle/>
-          <a:p>
-            <a:r>
-              <a:rPr lang="da-DK" dirty="0" err="1" smtClean="0"/>
-              <a:t>Binary</a:t>
-            </a:r>
-            <a:r>
-              <a:rPr lang="da-DK" dirty="0" smtClean="0"/>
-              <a:t> Search </a:t>
-            </a:r>
-            <a:r>
-              <a:rPr lang="da-DK" dirty="0" err="1" smtClean="0"/>
-              <a:t>Tree</a:t>
-            </a:r>
-            <a:endParaRPr lang="da-DK" dirty="0"/>
-          </a:p>
-        </p:txBody>
-      </p:sp>
-      <p:sp>
-        <p:nvSpPr>
-          <p:cNvPr id="3" name="Content Placeholder 2"/>
-          <p:cNvSpPr>
-            <a:spLocks noGrp="1"/>
-          </p:cNvSpPr>
-          <p:nvPr>
-            <p:ph idx="1"/>
-          </p:nvPr>
-        </p:nvSpPr>
-        <p:spPr/>
-        <p:txBody>
-          <a:bodyPr/>
-          <a:lstStyle/>
-          <a:p>
-            <a:r>
-              <a:rPr lang="da-DK" dirty="0" smtClean="0"/>
-              <a:t>Data </a:t>
-            </a:r>
-            <a:r>
-              <a:rPr lang="da-DK" dirty="0" err="1" smtClean="0"/>
-              <a:t>Structure</a:t>
-            </a:r>
-            <a:r>
-              <a:rPr lang="da-DK" dirty="0" smtClean="0"/>
-              <a:t> and Collection</a:t>
-            </a:r>
-          </a:p>
-          <a:p>
-            <a:r>
-              <a:rPr lang="da-DK" dirty="0" err="1" smtClean="0"/>
-              <a:t>Binary</a:t>
-            </a:r>
-            <a:r>
-              <a:rPr lang="da-DK" dirty="0" smtClean="0"/>
-              <a:t> </a:t>
-            </a:r>
-            <a:r>
-              <a:rPr lang="da-DK" dirty="0" err="1" smtClean="0"/>
-              <a:t>tree</a:t>
-            </a:r>
-            <a:r>
-              <a:rPr lang="da-DK" dirty="0" smtClean="0"/>
-              <a:t> =&gt;  </a:t>
-            </a:r>
-            <a:r>
-              <a:rPr lang="da-DK" dirty="0" err="1" smtClean="0"/>
-              <a:t>Binary</a:t>
-            </a:r>
-            <a:r>
-              <a:rPr lang="da-DK" dirty="0" smtClean="0"/>
-              <a:t> Search </a:t>
-            </a:r>
-            <a:r>
-              <a:rPr lang="da-DK" dirty="0" err="1" smtClean="0"/>
-              <a:t>Tree</a:t>
-            </a:r>
-            <a:endParaRPr lang="da-DK" dirty="0" smtClean="0"/>
-          </a:p>
-          <a:p>
-            <a:r>
-              <a:rPr lang="da-DK" dirty="0" smtClean="0"/>
-              <a:t>Operations</a:t>
-            </a:r>
-          </a:p>
-          <a:p>
-            <a:r>
-              <a:rPr lang="da-DK" dirty="0" smtClean="0"/>
-              <a:t>Good </a:t>
-            </a:r>
-            <a:r>
-              <a:rPr lang="da-DK" dirty="0" err="1" smtClean="0"/>
-              <a:t>qualities</a:t>
-            </a:r>
-            <a:r>
-              <a:rPr lang="da-DK" dirty="0" smtClean="0"/>
-              <a:t> </a:t>
-            </a:r>
-          </a:p>
-          <a:p>
-            <a:pPr lvl="1"/>
-            <a:r>
-              <a:rPr lang="da-DK" dirty="0" err="1" smtClean="0"/>
-              <a:t>insert</a:t>
-            </a:r>
-            <a:r>
-              <a:rPr lang="da-DK" dirty="0" smtClean="0"/>
-              <a:t> and </a:t>
-            </a:r>
-            <a:r>
-              <a:rPr lang="da-DK" dirty="0" err="1" smtClean="0"/>
-              <a:t>search</a:t>
-            </a:r>
-            <a:endParaRPr lang="da-DK" dirty="0" smtClean="0"/>
-          </a:p>
-          <a:p>
-            <a:pPr lvl="1"/>
-            <a:r>
-              <a:rPr lang="da-DK" dirty="0" err="1" smtClean="0"/>
-              <a:t>Traverse</a:t>
-            </a:r>
-            <a:r>
-              <a:rPr lang="da-DK" dirty="0" smtClean="0"/>
-              <a:t> in </a:t>
-            </a:r>
-            <a:r>
-              <a:rPr lang="da-DK" dirty="0" err="1" smtClean="0"/>
-              <a:t>sorted</a:t>
-            </a:r>
-            <a:r>
-              <a:rPr lang="da-DK" dirty="0" smtClean="0"/>
-              <a:t> </a:t>
-            </a:r>
-            <a:r>
-              <a:rPr lang="da-DK" dirty="0" err="1" smtClean="0"/>
-              <a:t>order</a:t>
-            </a:r>
-            <a:endParaRPr lang="da-DK" dirty="0" smtClean="0"/>
-          </a:p>
-          <a:p>
-            <a:pPr lvl="1"/>
-            <a:endParaRPr lang="da-DK" dirty="0" smtClean="0"/>
-          </a:p>
-          <a:p>
-            <a:endParaRPr lang="da-DK" dirty="0"/>
-          </a:p>
-        </p:txBody>
-      </p:sp>
-      <p:sp>
-        <p:nvSpPr>
-          <p:cNvPr id="4" name="Footer Placeholder 3"/>
-          <p:cNvSpPr>
-            <a:spLocks noGrp="1"/>
-          </p:cNvSpPr>
-          <p:nvPr>
-            <p:ph type="ftr" sz="quarter" idx="11"/>
-          </p:nvPr>
-        </p:nvSpPr>
-        <p:spPr/>
-        <p:txBody>
-          <a:bodyPr/>
-          <a:lstStyle/>
-          <a:p>
-            <a:r>
-              <a:rPr lang="da-DK" smtClean="0"/>
-              <a:t>Recursion and Binary Trees</a:t>
-            </a:r>
-            <a:endParaRPr lang="da-DK"/>
-          </a:p>
-        </p:txBody>
-      </p:sp>
-      <p:sp>
-        <p:nvSpPr>
-          <p:cNvPr id="5" name="Date Placeholder 4"/>
-          <p:cNvSpPr>
-            <a:spLocks noGrp="1"/>
-          </p:cNvSpPr>
-          <p:nvPr>
-            <p:ph type="dt" sz="half" idx="10"/>
-          </p:nvPr>
-        </p:nvSpPr>
-        <p:spPr/>
-        <p:txBody>
-          <a:bodyPr/>
-          <a:lstStyle/>
-          <a:p>
-            <a:r>
-              <a:rPr lang="da-DK" smtClean="0"/>
-              <a:t>hau</a:t>
-            </a:r>
-            <a:endParaRPr lang="da-DK"/>
-          </a:p>
-        </p:txBody>
-      </p:sp>
-      <p:sp>
-        <p:nvSpPr>
-          <p:cNvPr id="6" name="Slide Number Placeholder 5"/>
-          <p:cNvSpPr>
-            <a:spLocks noGrp="1"/>
-          </p:cNvSpPr>
-          <p:nvPr>
-            <p:ph type="sldNum" sz="quarter" idx="12"/>
-          </p:nvPr>
-        </p:nvSpPr>
-        <p:spPr/>
-        <p:txBody>
-          <a:bodyPr/>
-          <a:lstStyle/>
-          <a:p>
-            <a:fld id="{DAB94411-2297-4BD0-B197-35E3682289EC}" type="slidenum">
-              <a:rPr lang="da-DK" smtClean="0"/>
-              <a:t>4</a:t>
-            </a:fld>
-            <a:endParaRPr lang="da-DK"/>
-          </a:p>
-        </p:txBody>
-      </p:sp>
-    </p:spTree>
-    <p:extLst>
-      <p:ext uri="{BB962C8B-B14F-4D97-AF65-F5344CB8AC3E}">
-        <p14:creationId xmlns:p14="http://schemas.microsoft.com/office/powerpoint/2010/main" val="4265776616"/>
-      </p:ext>
-    </p:extLst>
-  </p:cSld>
-  <p:clrMapOvr>
-    <a:masterClrMapping/>
-  </p:clrMapOvr>
-  <p:timing>
-    <p:tnLst>
-      <p:par>
-        <p:cTn id="1" dur="indefinite" restart="never" nodeType="tmRoot"/>
-      </p:par>
-    </p:tnLst>
-  </p:timing>
-</p:sld>
-</file>
-
-<file path=ppt/slides/slide5.xml><?xml version="1.0" encoding="utf-8"?>
-<p:sld xmlns:a="http://schemas.openxmlformats.org/drawingml/2006/main" xmlns:r="http://schemas.openxmlformats.org/officeDocument/2006/relationships" xmlns:p="http://schemas.openxmlformats.org/presentationml/2006/main">
-  <p:cSld>
-    <p:spTree>
-      <p:nvGrpSpPr>
-        <p:cNvPr id="1" name=""/>
-        <p:cNvGrpSpPr/>
-        <p:nvPr/>
-      </p:nvGrpSpPr>
-      <p:grpSpPr>
-        <a:xfrm>
-          <a:off x="0" y="0"/>
-          <a:ext cx="0" cy="0"/>
-          <a:chOff x="0" y="0"/>
-          <a:chExt cx="0" cy="0"/>
-        </a:xfrm>
-      </p:grpSpPr>
-      <p:sp>
-        <p:nvSpPr>
-          <p:cNvPr id="5" name="Footer Placeholder 4"/>
-          <p:cNvSpPr>
-            <a:spLocks noGrp="1"/>
-          </p:cNvSpPr>
-          <p:nvPr>
-            <p:ph type="ftr" sz="quarter" idx="11"/>
-          </p:nvPr>
-        </p:nvSpPr>
-        <p:spPr/>
-        <p:txBody>
-          <a:bodyPr/>
-          <a:lstStyle/>
-          <a:p>
-            <a:r>
-              <a:rPr lang="da-DK" smtClean="0"/>
-              <a:t>Recursion and Binary Trees</a:t>
-            </a:r>
-            <a:endParaRPr lang="da-DK"/>
-          </a:p>
-        </p:txBody>
-      </p:sp>
-      <p:sp>
-        <p:nvSpPr>
-          <p:cNvPr id="215042" name="Rectangle 2"/>
-          <p:cNvSpPr>
-            <a:spLocks noGrp="1" noChangeArrowheads="1"/>
-          </p:cNvSpPr>
-          <p:nvPr>
-            <p:ph type="title"/>
-          </p:nvPr>
-        </p:nvSpPr>
-        <p:spPr>
-          <a:xfrm>
-            <a:off x="395288" y="188640"/>
-            <a:ext cx="8458200" cy="1262335"/>
-          </a:xfrm>
-          <a:solidFill>
-            <a:schemeClr val="bg1"/>
-          </a:solidFill>
-          <a:ln cap="flat" algn="ctr">
-            <a:solidFill>
-              <a:schemeClr val="tx1"/>
-            </a:solidFill>
-            <a:miter lim="800000"/>
-            <a:headEnd/>
-            <a:tailEnd/>
-          </a:ln>
-        </p:spPr>
-        <p:txBody>
-          <a:bodyPr>
-            <a:normAutofit fontScale="90000"/>
-          </a:bodyPr>
-          <a:lstStyle/>
-          <a:p>
-            <a:pPr defTabSz="762000"/>
-            <a:r>
-              <a:rPr lang="da-DK" dirty="0" err="1" smtClean="0"/>
-              <a:t>Recursive</a:t>
-            </a:r>
-            <a:r>
-              <a:rPr lang="da-DK" dirty="0" smtClean="0"/>
-              <a:t> Search </a:t>
-            </a:r>
-            <a:r>
-              <a:rPr lang="da-DK" dirty="0" err="1" smtClean="0"/>
-              <a:t>algorithm</a:t>
-            </a:r>
-            <a:r>
-              <a:rPr lang="da-DK" dirty="0" smtClean="0"/>
-              <a:t> </a:t>
-            </a:r>
-            <a:br>
-              <a:rPr lang="da-DK" dirty="0" smtClean="0"/>
-            </a:br>
-            <a:r>
-              <a:rPr lang="da-DK" dirty="0" smtClean="0"/>
-              <a:t>- for </a:t>
-            </a:r>
-            <a:r>
-              <a:rPr lang="da-DK" dirty="0" err="1" smtClean="0"/>
-              <a:t>binary</a:t>
-            </a:r>
-            <a:r>
-              <a:rPr lang="da-DK" dirty="0" smtClean="0"/>
-              <a:t> </a:t>
-            </a:r>
-            <a:r>
-              <a:rPr lang="da-DK" dirty="0" err="1" smtClean="0"/>
-              <a:t>search</a:t>
-            </a:r>
-            <a:r>
-              <a:rPr lang="da-DK" dirty="0" smtClean="0"/>
-              <a:t> </a:t>
-            </a:r>
-            <a:r>
-              <a:rPr lang="da-DK" dirty="0" err="1" smtClean="0"/>
-              <a:t>tree</a:t>
-            </a:r>
-            <a:endParaRPr lang="da-DK" sz="2800" dirty="0"/>
-          </a:p>
-        </p:txBody>
-      </p:sp>
-      <p:sp>
-        <p:nvSpPr>
-          <p:cNvPr id="215043" name="Rectangle 3"/>
-          <p:cNvSpPr>
-            <a:spLocks noGrp="1" noChangeArrowheads="1"/>
-          </p:cNvSpPr>
-          <p:nvPr>
-            <p:ph type="body" idx="1"/>
-          </p:nvPr>
-        </p:nvSpPr>
-        <p:spPr>
-          <a:xfrm>
-            <a:off x="468313" y="1557338"/>
-            <a:ext cx="7772400" cy="4463950"/>
-          </a:xfrm>
-        </p:spPr>
-        <p:txBody>
-          <a:bodyPr>
-            <a:normAutofit fontScale="92500" lnSpcReduction="10000"/>
-          </a:bodyPr>
-          <a:lstStyle/>
-          <a:p>
-            <a:pPr defTabSz="762000">
-              <a:lnSpc>
-                <a:spcPct val="90000"/>
-              </a:lnSpc>
-              <a:buFontTx/>
-              <a:buNone/>
-            </a:pPr>
-            <a:r>
-              <a:rPr lang="da-DK" dirty="0" smtClean="0"/>
-              <a:t>If the </a:t>
-            </a:r>
-            <a:r>
-              <a:rPr lang="da-DK" dirty="0" err="1" smtClean="0"/>
-              <a:t>tree</a:t>
-            </a:r>
-            <a:r>
-              <a:rPr lang="da-DK" dirty="0" smtClean="0"/>
-              <a:t> is </a:t>
-            </a:r>
-            <a:r>
-              <a:rPr lang="da-DK" dirty="0" err="1" smtClean="0"/>
-              <a:t>empty</a:t>
-            </a:r>
-            <a:r>
-              <a:rPr lang="da-DK" dirty="0" smtClean="0"/>
-              <a:t> </a:t>
-            </a:r>
-            <a:endParaRPr lang="da-DK" dirty="0"/>
-          </a:p>
-          <a:p>
-            <a:pPr lvl="1" defTabSz="762000">
-              <a:lnSpc>
-                <a:spcPct val="90000"/>
-              </a:lnSpc>
-              <a:buFontTx/>
-              <a:buNone/>
-            </a:pPr>
-            <a:r>
-              <a:rPr lang="da-DK" sz="3200" dirty="0"/>
-              <a:t>element </a:t>
-            </a:r>
-            <a:r>
-              <a:rPr lang="da-DK" sz="3200" dirty="0" smtClean="0"/>
-              <a:t>is not in the </a:t>
-            </a:r>
-            <a:r>
-              <a:rPr lang="da-DK" sz="3200" dirty="0" err="1" smtClean="0"/>
-              <a:t>tree</a:t>
-            </a:r>
-            <a:endParaRPr lang="da-DK" sz="3200" dirty="0" smtClean="0"/>
-          </a:p>
-          <a:p>
-            <a:pPr defTabSz="762000">
-              <a:lnSpc>
-                <a:spcPct val="90000"/>
-              </a:lnSpc>
-              <a:buFontTx/>
-              <a:buNone/>
-            </a:pPr>
-            <a:r>
-              <a:rPr lang="da-DK" dirty="0" err="1" smtClean="0"/>
-              <a:t>else</a:t>
-            </a:r>
-            <a:r>
-              <a:rPr lang="da-DK" dirty="0" smtClean="0"/>
-              <a:t> </a:t>
-            </a:r>
-          </a:p>
-          <a:p>
-            <a:pPr defTabSz="762000">
-              <a:lnSpc>
-                <a:spcPct val="90000"/>
-              </a:lnSpc>
-              <a:buFontTx/>
-              <a:buNone/>
-            </a:pPr>
-            <a:r>
-              <a:rPr lang="da-DK" dirty="0"/>
-              <a:t>	</a:t>
-            </a:r>
-            <a:r>
-              <a:rPr lang="da-DK" dirty="0" err="1" smtClean="0"/>
-              <a:t>if</a:t>
-            </a:r>
-            <a:r>
-              <a:rPr lang="da-DK" dirty="0" smtClean="0"/>
-              <a:t> </a:t>
-            </a:r>
-            <a:r>
-              <a:rPr lang="da-DK" dirty="0" err="1" smtClean="0"/>
-              <a:t>root</a:t>
-            </a:r>
-            <a:r>
-              <a:rPr lang="da-DK" dirty="0" smtClean="0"/>
-              <a:t> match the </a:t>
-            </a:r>
-            <a:r>
-              <a:rPr lang="da-DK" dirty="0" err="1" smtClean="0"/>
-              <a:t>key</a:t>
-            </a:r>
-            <a:r>
-              <a:rPr lang="da-DK" dirty="0" smtClean="0"/>
-              <a:t>  </a:t>
-            </a:r>
-            <a:endParaRPr lang="da-DK" dirty="0"/>
-          </a:p>
-          <a:p>
-            <a:pPr lvl="1" defTabSz="762000">
-              <a:lnSpc>
-                <a:spcPct val="90000"/>
-              </a:lnSpc>
-              <a:buFontTx/>
-              <a:buNone/>
-            </a:pPr>
-            <a:r>
-              <a:rPr lang="da-DK" sz="3200" dirty="0"/>
-              <a:t>	element </a:t>
-            </a:r>
-            <a:r>
-              <a:rPr lang="da-DK" sz="3200" dirty="0" err="1" smtClean="0"/>
-              <a:t>found</a:t>
-            </a:r>
-            <a:endParaRPr lang="da-DK" sz="3200" dirty="0"/>
-          </a:p>
-          <a:p>
-            <a:pPr defTabSz="762000">
-              <a:lnSpc>
-                <a:spcPct val="110000"/>
-              </a:lnSpc>
-              <a:buFontTx/>
-              <a:buNone/>
-            </a:pPr>
-            <a:r>
-              <a:rPr lang="da-DK" b="1" dirty="0"/>
-              <a:t>	</a:t>
-            </a:r>
-            <a:r>
-              <a:rPr lang="da-DK" dirty="0" err="1" smtClean="0"/>
-              <a:t>else</a:t>
-            </a:r>
-            <a:r>
-              <a:rPr lang="da-DK" dirty="0" smtClean="0"/>
-              <a:t> </a:t>
-            </a:r>
-          </a:p>
-          <a:p>
-            <a:pPr defTabSz="762000">
-              <a:lnSpc>
-                <a:spcPct val="110000"/>
-              </a:lnSpc>
-              <a:buFontTx/>
-              <a:buNone/>
-            </a:pPr>
-            <a:r>
-              <a:rPr lang="da-DK" dirty="0"/>
-              <a:t>	</a:t>
-            </a:r>
-            <a:r>
-              <a:rPr lang="da-DK" dirty="0" smtClean="0"/>
-              <a:t>	</a:t>
-            </a:r>
-            <a:r>
-              <a:rPr lang="da-DK" dirty="0" err="1" smtClean="0"/>
-              <a:t>if</a:t>
-            </a:r>
-            <a:r>
-              <a:rPr lang="da-DK" dirty="0" smtClean="0"/>
-              <a:t> </a:t>
-            </a:r>
-            <a:r>
-              <a:rPr lang="da-DK" dirty="0" err="1" smtClean="0"/>
-              <a:t>key</a:t>
-            </a:r>
-            <a:r>
-              <a:rPr lang="da-DK" dirty="0" smtClean="0"/>
-              <a:t> &lt; </a:t>
-            </a:r>
-            <a:r>
-              <a:rPr lang="da-DK" dirty="0" err="1" smtClean="0"/>
-              <a:t>root-value</a:t>
-            </a:r>
-            <a:r>
-              <a:rPr lang="da-DK" dirty="0" smtClean="0"/>
-              <a:t> </a:t>
-            </a:r>
-            <a:r>
-              <a:rPr lang="da-DK" b="1" dirty="0" smtClean="0"/>
-              <a:t> </a:t>
-            </a:r>
-            <a:endParaRPr lang="da-DK" b="1" dirty="0"/>
-          </a:p>
-          <a:p>
-            <a:pPr lvl="2" defTabSz="762000">
-              <a:lnSpc>
-                <a:spcPct val="90000"/>
-              </a:lnSpc>
-              <a:buFontTx/>
-              <a:buNone/>
-            </a:pPr>
-            <a:r>
-              <a:rPr lang="da-DK" b="1" dirty="0"/>
-              <a:t>	</a:t>
-            </a:r>
-            <a:r>
-              <a:rPr lang="da-DK" b="1" dirty="0" err="1" smtClean="0"/>
-              <a:t>search</a:t>
-            </a:r>
-            <a:r>
-              <a:rPr lang="da-DK" b="1" dirty="0" smtClean="0"/>
-              <a:t> in the </a:t>
-            </a:r>
-            <a:r>
-              <a:rPr lang="da-DK" b="1" dirty="0" err="1" smtClean="0"/>
-              <a:t>left</a:t>
-            </a:r>
-            <a:r>
-              <a:rPr lang="da-DK" b="1" dirty="0" smtClean="0"/>
-              <a:t> sub </a:t>
-            </a:r>
-            <a:r>
-              <a:rPr lang="da-DK" b="1" dirty="0" err="1" smtClean="0"/>
-              <a:t>tree</a:t>
-            </a:r>
-            <a:r>
-              <a:rPr lang="da-DK" b="1" dirty="0" smtClean="0"/>
-              <a:t>       (</a:t>
-            </a:r>
-            <a:r>
-              <a:rPr lang="da-DK" b="1" dirty="0" err="1" smtClean="0"/>
-              <a:t>repeat</a:t>
-            </a:r>
-            <a:r>
-              <a:rPr lang="da-DK" b="1" dirty="0" smtClean="0"/>
-              <a:t>)</a:t>
-            </a:r>
-            <a:endParaRPr lang="da-DK" b="1" dirty="0"/>
-          </a:p>
-          <a:p>
-            <a:pPr lvl="1" defTabSz="762000">
-              <a:lnSpc>
-                <a:spcPct val="80000"/>
-              </a:lnSpc>
-              <a:buFontTx/>
-              <a:buNone/>
-            </a:pPr>
-            <a:r>
-              <a:rPr lang="da-DK" dirty="0"/>
-              <a:t>	</a:t>
-            </a:r>
-            <a:r>
-              <a:rPr lang="da-DK" dirty="0" err="1" smtClean="0"/>
-              <a:t>else</a:t>
-            </a:r>
-            <a:endParaRPr lang="da-DK" dirty="0"/>
-          </a:p>
-          <a:p>
-            <a:pPr lvl="2" defTabSz="762000">
-              <a:lnSpc>
-                <a:spcPct val="70000"/>
-              </a:lnSpc>
-              <a:buFontTx/>
-              <a:buNone/>
-            </a:pPr>
-            <a:r>
-              <a:rPr lang="da-DK" b="1" dirty="0"/>
-              <a:t>	</a:t>
-            </a:r>
-            <a:r>
-              <a:rPr lang="da-DK" b="1" dirty="0" err="1" smtClean="0"/>
-              <a:t>search</a:t>
-            </a:r>
-            <a:r>
-              <a:rPr lang="da-DK" b="1" dirty="0" smtClean="0"/>
-              <a:t> in the right sub </a:t>
-            </a:r>
-            <a:r>
-              <a:rPr lang="da-DK" b="1" dirty="0" err="1" smtClean="0"/>
-              <a:t>tree</a:t>
-            </a:r>
-            <a:r>
-              <a:rPr lang="da-DK" b="1" dirty="0" smtClean="0"/>
-              <a:t> 	(</a:t>
-            </a:r>
-            <a:r>
-              <a:rPr lang="da-DK" b="1" dirty="0" err="1" smtClean="0"/>
-              <a:t>repeat</a:t>
-            </a:r>
-            <a:r>
-              <a:rPr lang="da-DK" b="1" dirty="0" smtClean="0"/>
-              <a:t>)</a:t>
-            </a:r>
-            <a:endParaRPr lang="da-DK" b="1" dirty="0"/>
-          </a:p>
-        </p:txBody>
-      </p:sp>
-      <p:sp>
-        <p:nvSpPr>
-          <p:cNvPr id="2" name="Date Placeholder 1"/>
-          <p:cNvSpPr>
-            <a:spLocks noGrp="1"/>
-          </p:cNvSpPr>
-          <p:nvPr>
-            <p:ph type="dt" sz="half" idx="10"/>
-          </p:nvPr>
-        </p:nvSpPr>
-        <p:spPr/>
-        <p:txBody>
-          <a:bodyPr/>
-          <a:lstStyle/>
-          <a:p>
-            <a:r>
-              <a:rPr lang="da-DK" smtClean="0"/>
-              <a:t>hau</a:t>
-            </a:r>
-            <a:endParaRPr lang="da-DK"/>
-          </a:p>
-        </p:txBody>
-      </p:sp>
-      <p:sp>
-        <p:nvSpPr>
-          <p:cNvPr id="3" name="Slide Number Placeholder 2"/>
-          <p:cNvSpPr>
-            <a:spLocks noGrp="1"/>
-          </p:cNvSpPr>
-          <p:nvPr>
-            <p:ph type="sldNum" sz="quarter" idx="12"/>
-          </p:nvPr>
-        </p:nvSpPr>
-        <p:spPr/>
-        <p:txBody>
-          <a:bodyPr/>
-          <a:lstStyle/>
-          <a:p>
-            <a:fld id="{DAB94411-2297-4BD0-B197-35E3682289EC}" type="slidenum">
-              <a:rPr lang="da-DK" smtClean="0"/>
-              <a:t>5</a:t>
-            </a:fld>
-            <a:endParaRPr lang="da-DK"/>
-          </a:p>
-        </p:txBody>
-      </p:sp>
-    </p:spTree>
-    <p:extLst>
-      <p:ext uri="{BB962C8B-B14F-4D97-AF65-F5344CB8AC3E}">
-        <p14:creationId xmlns:p14="http://schemas.microsoft.com/office/powerpoint/2010/main" val="4105772667"/>
-      </p:ext>
-    </p:extLst>
-  </p:cSld>
-  <p:clrMapOvr>
-    <a:masterClrMapping/>
-  </p:clrMapOvr>
-  <p:transition/>
-  <p:timing>
-    <p:tnLst>
-      <p:par>
-        <p:cTn id="1" dur="indefinite" restart="never" nodeType="tmRoot"/>
-      </p:par>
-    </p:tnLst>
-  </p:timing>
-</p:sld>
-</file>
-
-<file path=ppt/slides/slide6.xml><?xml version="1.0" encoding="utf-8"?>
-<p:sld xmlns:a="http://schemas.openxmlformats.org/drawingml/2006/main" xmlns:r="http://schemas.openxmlformats.org/officeDocument/2006/relationships" xmlns:p="http://schemas.openxmlformats.org/presentationml/2006/main">
-  <p:cSld>
-    <p:spTree>
-      <p:nvGrpSpPr>
-        <p:cNvPr id="1" name=""/>
-        <p:cNvGrpSpPr/>
-        <p:nvPr/>
-      </p:nvGrpSpPr>
-      <p:grpSpPr>
-        <a:xfrm>
-          <a:off x="0" y="0"/>
-          <a:ext cx="0" cy="0"/>
-          <a:chOff x="0" y="0"/>
-          <a:chExt cx="0" cy="0"/>
-        </a:xfrm>
-      </p:grpSpPr>
-      <p:sp>
-        <p:nvSpPr>
           <p:cNvPr id="230402" name="Rectangle 2"/>
           <p:cNvSpPr>
             <a:spLocks noGrp="1" noChangeArrowheads="1"/>
@@ -6088,7 +4693,9 @@
         </p:nvSpPr>
         <p:spPr/>
         <p:txBody>
-          <a:bodyPr/>
+          <a:bodyPr>
+            <a:normAutofit/>
+          </a:bodyPr>
           <a:lstStyle/>
           <a:p>
             <a:pPr defTabSz="762000">
@@ -6153,17 +4760,21 @@
               </a:lnSpc>
             </a:pPr>
             <a:r>
-              <a:rPr lang="da-DK" sz="2400" dirty="0"/>
-              <a:t>                O(n</a:t>
-            </a:r>
-            <a:r>
-              <a:rPr lang="da-DK" sz="2400" dirty="0" smtClean="0"/>
+              <a:rPr lang="da-DK" dirty="0"/>
+              <a:t> </a:t>
+            </a:r>
+            <a:r>
+              <a:rPr lang="da-DK" dirty="0" smtClean="0"/>
+              <a:t>O(n</a:t>
+            </a:r>
+            <a:r>
+              <a:rPr lang="da-DK" dirty="0" smtClean="0"/>
               <a:t>)</a:t>
             </a:r>
             <a:br>
-              <a:rPr lang="da-DK" sz="2400" dirty="0" smtClean="0"/>
+              <a:rPr lang="da-DK" dirty="0" smtClean="0"/>
             </a:br>
-            <a:endParaRPr lang="da-DK" sz="2400" dirty="0"/>
+            <a:endParaRPr lang="da-DK" dirty="0"/>
           </a:p>
           <a:p>
             <a:pPr defTabSz="762000">
@@ -6200,30 +4811,14 @@
               </a:lnSpc>
             </a:pPr>
             <a:r>
-              <a:rPr lang="da-DK" sz="2400" dirty="0"/>
+              <a:rPr lang="da-DK" dirty="0"/>
               <a:t>Average : O(log n</a:t>
             </a:r>
             <a:r>
-              <a:rPr lang="da-DK" sz="2400" dirty="0" smtClean="0"/>
-              <a:t>)		(</a:t>
-            </a:r>
-            <a:r>
-              <a:rPr lang="da-DK" sz="2400" dirty="0" err="1" smtClean="0"/>
-              <a:t>Compare</a:t>
-            </a:r>
-            <a:r>
-              <a:rPr lang="da-DK" sz="2400" dirty="0" smtClean="0"/>
-              <a:t> </a:t>
-            </a:r>
-            <a:r>
-              <a:rPr lang="da-DK" sz="2400" dirty="0" err="1" smtClean="0"/>
-              <a:t>hashing</a:t>
-            </a:r>
-            <a:r>
-              <a:rPr lang="da-DK" sz="2400" dirty="0" smtClean="0"/>
+              <a:rPr lang="da-DK" dirty="0" smtClean="0"/>
               <a:t>) </a:t>
             </a:r>
-            <a:endParaRPr lang="da-DK" sz="2400" dirty="0"/>
+            <a:endParaRPr lang="da-DK" dirty="0"/>
           </a:p>
           <a:p>
             <a:pPr lvl="1" defTabSz="762000">
@@ -6232,16 +4827,16 @@
               </a:lnSpc>
             </a:pPr>
             <a:r>
-              <a:rPr lang="da-DK" sz="2400" dirty="0" err="1"/>
+              <a:rPr lang="da-DK" dirty="0" err="1"/>
               <a:t>Worst</a:t>
             </a:r>
             <a:r>
-              <a:rPr lang="da-DK" sz="2400" dirty="0"/>
-              <a:t>    :  O(n)       		</a:t>
-            </a:r>
-            <a:r>
               <a:rPr lang="da-DK" dirty="0"/>
-              <a:t>- </a:t>
+              <a:t>    :  O(n) </a:t>
+            </a:r>
+            <a:r>
+              <a:rPr lang="da-DK" dirty="0" smtClean="0"/>
+              <a:t>      - </a:t>
             </a:r>
             <a:r>
               <a:rPr lang="da-DK" dirty="0" err="1" smtClean="0"/>
@@ -6342,7 +4937,7 @@
           <a:p>
             <a:fld id="{DAB94411-2297-4BD0-B197-35E3682289EC}" type="slidenum">
               <a:rPr lang="da-DK" smtClean="0"/>
-              <a:t>6</a:t>
+              <a:t>11</a:t>
             </a:fld>
             <a:endParaRPr lang="da-DK"/>
           </a:p>
@@ -6369,7 +4964,7 @@
 </p:sld>
 </file>
 
-<file path=ppt/slides/slide7.xml><?xml version="1.0" encoding="utf-8"?>
+<file path=ppt/slides/slide12.xml><?xml version="1.0" encoding="utf-8"?>
 <p:sld xmlns:a="http://schemas.openxmlformats.org/drawingml/2006/main" xmlns:r="http://schemas.openxmlformats.org/officeDocument/2006/relationships" xmlns:p="http://schemas.openxmlformats.org/presentationml/2006/main">
   <p:cSld>
     <p:spTree>
@@ -6492,14 +5087,14 @@
           <p:nvPr>
             <p:extLst>
               <p:ext uri="{D42A27DB-BD31-4B8C-83A1-F6EECF244321}">
-                <p14:modId xmlns:p14="http://schemas.microsoft.com/office/powerpoint/2010/main" val="3196504533"/>
+                <p14:modId xmlns:p14="http://schemas.microsoft.com/office/powerpoint/2010/main" val="776731545"/>
               </p:ext>
             </p:extLst>
           </p:nvPr>
         </p:nvGraphicFramePr>
         <p:xfrm>
           <a:off x="611558" y="1628800"/>
-          <a:ext cx="6912769" cy="4248468"/>
+          <a:ext cx="7560841" cy="4454790"/>
         </p:xfrm>
         <a:graphic>
           <a:graphicData uri="http://schemas.openxmlformats.org/drawingml/2006/table">
@@ -6508,12 +5103,12 @@
                 <a:tableStyleId>{5940675A-B579-460E-94D1-54222C63F5DA}</a:tableStyleId>
               </a:tblPr>
               <a:tblGrid>
-                <a:gridCol w="1412285"/>
-                <a:gridCol w="1189294"/>
-                <a:gridCol w="1040632"/>
-                <a:gridCol w="1040632"/>
-                <a:gridCol w="1114963"/>
-                <a:gridCol w="1114963"/>
+                <a:gridCol w="1544687"/>
+                <a:gridCol w="1300790"/>
+                <a:gridCol w="1138191"/>
+                <a:gridCol w="1138191"/>
+                <a:gridCol w="1070831"/>
+                <a:gridCol w="1368151"/>
               </a:tblGrid>
               <a:tr h="708078">
                 <a:tc>
@@ -6543,7 +5138,7 @@
                     <a:p>
                       <a:r>
                         <a:rPr lang="da-DK" dirty="0" smtClean="0"/>
-                        <a:t>1</a:t>
+                        <a:t>array</a:t>
                       </a:r>
                       <a:endParaRPr lang="da-DK" dirty="0"/>
                     </a:p>
@@ -6566,8 +5161,15 @@
                     <a:lstStyle/>
                     <a:p>
                       <a:r>
+                        <a:rPr lang="da-DK" dirty="0" err="1" smtClean="0"/>
+                        <a:t>Linked</a:t>
+                      </a:r>
+                      <a:endParaRPr lang="da-DK" dirty="0" smtClean="0"/>
+                    </a:p>
+                    <a:p>
+                      <a:r>
                         <a:rPr lang="da-DK" dirty="0" smtClean="0"/>
-                        <a:t>2</a:t>
+                        <a:t>list</a:t>
                       </a:r>
                       <a:endParaRPr lang="da-DK" dirty="0"/>
                     </a:p>
@@ -6581,7 +5183,13 @@
                     <a:p>
                       <a:r>
                         <a:rPr lang="da-DK" dirty="0" smtClean="0"/>
-                        <a:t>3</a:t>
+                        <a:t>Hash</a:t>
+                      </a:r>
+                    </a:p>
+                    <a:p>
+                      <a:r>
+                        <a:rPr lang="da-DK" dirty="0" err="1" smtClean="0"/>
+                        <a:t>map</a:t>
                       </a:r>
                       <a:endParaRPr lang="da-DK" dirty="0"/>
                     </a:p>
@@ -6595,7 +5203,15 @@
                     <a:p>
                       <a:r>
                         <a:rPr lang="da-DK" dirty="0" smtClean="0"/>
-                        <a:t>4</a:t>
+                        <a:t>Array</a:t>
+                      </a:r>
+                      <a:r>
+                        <a:rPr lang="da-DK" baseline="0" dirty="0" smtClean="0"/>
+                        <a:t> &amp; </a:t>
+                      </a:r>
+                      <a:r>
+                        <a:rPr lang="da-DK" baseline="0" dirty="0" err="1" smtClean="0"/>
+                        <a:t>linked</a:t>
                       </a:r>
                       <a:endParaRPr lang="da-DK" dirty="0"/>
                     </a:p>
@@ -6609,7 +5225,33 @@
                     <a:p>
                       <a:r>
                         <a:rPr lang="da-DK" b="1" dirty="0" smtClean="0"/>
-                        <a:t>5</a:t>
+                        <a:t>BST</a:t>
+                      </a:r>
+                    </a:p>
+                    <a:p>
+                      <a:r>
+                        <a:rPr lang="da-DK" b="1" dirty="0" smtClean="0"/>
+                        <a:t>(</a:t>
+                      </a:r>
+                      <a:r>
+                        <a:rPr lang="da-DK" b="1" dirty="0" err="1" smtClean="0"/>
+                        <a:t>Binary</a:t>
+                      </a:r>
+                      <a:r>
+                        <a:rPr lang="da-DK" b="1" baseline="0" dirty="0" smtClean="0"/>
+                        <a:t> </a:t>
+                      </a:r>
+                      <a:r>
+                        <a:rPr lang="da-DK" b="1" dirty="0" err="1" smtClean="0"/>
+                        <a:t>search</a:t>
+                      </a:r>
+                      <a:r>
+                        <a:rPr lang="da-DK" b="1" baseline="0" dirty="0" smtClean="0"/>
+                        <a:t> </a:t>
+                      </a:r>
+                      <a:r>
+                        <a:rPr lang="da-DK" b="1" baseline="0" dirty="0" err="1" smtClean="0"/>
+                        <a:t>tree</a:t>
                       </a:r>
                       <a:endParaRPr lang="da-DK" b="1" dirty="0"/>
                     </a:p>
@@ -7182,7 +5824,7 @@
           <a:p>
             <a:fld id="{DAB94411-2297-4BD0-B197-35E3682289EC}" type="slidenum">
               <a:rPr lang="da-DK" smtClean="0"/>
-              <a:t>7</a:t>
+              <a:t>12</a:t>
             </a:fld>
             <a:endParaRPr lang="da-DK"/>
           </a:p>
@@ -7208,6 +5850,2002 @@
 </p:sld>
 </file>
 
+<file path=ppt/slides/slide13.xml><?xml version="1.0" encoding="utf-8"?>
+<p:sld xmlns:a="http://schemas.openxmlformats.org/drawingml/2006/main" xmlns:r="http://schemas.openxmlformats.org/officeDocument/2006/relationships" xmlns:p="http://schemas.openxmlformats.org/presentationml/2006/main">
+  <p:cSld>
+    <p:spTree>
+      <p:nvGrpSpPr>
+        <p:cNvPr id="1" name=""/>
+        <p:cNvGrpSpPr/>
+        <p:nvPr/>
+      </p:nvGrpSpPr>
+      <p:grpSpPr>
+        <a:xfrm>
+          <a:off x="0" y="0"/>
+          <a:ext cx="0" cy="0"/>
+          <a:chOff x="0" y="0"/>
+          <a:chExt cx="0" cy="0"/>
+        </a:xfrm>
+      </p:grpSpPr>
+      <p:sp>
+        <p:nvSpPr>
+          <p:cNvPr id="2" name="Title 1"/>
+          <p:cNvSpPr>
+            <a:spLocks noGrp="1"/>
+          </p:cNvSpPr>
+          <p:nvPr>
+            <p:ph type="title"/>
+          </p:nvPr>
+        </p:nvSpPr>
+        <p:spPr/>
+        <p:txBody>
+          <a:bodyPr>
+            <a:normAutofit/>
+          </a:bodyPr>
+          <a:lstStyle/>
+          <a:p>
+            <a:r>
+              <a:rPr lang="da-DK" dirty="0"/>
+              <a:t>”</a:t>
+            </a:r>
+            <a:r>
+              <a:rPr lang="da-DK" dirty="0" err="1"/>
+              <a:t>Treesort</a:t>
+            </a:r>
+            <a:r>
+              <a:rPr lang="da-DK" dirty="0" smtClean="0"/>
+              <a:t>”</a:t>
+            </a:r>
+            <a:endParaRPr lang="da-DK" dirty="0"/>
+          </a:p>
+        </p:txBody>
+      </p:sp>
+      <p:sp>
+        <p:nvSpPr>
+          <p:cNvPr id="3" name="Content Placeholder 2"/>
+          <p:cNvSpPr>
+            <a:spLocks noGrp="1"/>
+          </p:cNvSpPr>
+          <p:nvPr>
+            <p:ph idx="1"/>
+          </p:nvPr>
+        </p:nvSpPr>
+        <p:spPr/>
+        <p:txBody>
+          <a:bodyPr/>
+          <a:lstStyle/>
+          <a:p>
+            <a:pPr defTabSz="762000">
+              <a:lnSpc>
+                <a:spcPct val="90000"/>
+              </a:lnSpc>
+            </a:pPr>
+            <a:r>
+              <a:rPr lang="da-DK" dirty="0" smtClean="0"/>
+              <a:t>Sort an array: </a:t>
+            </a:r>
+          </a:p>
+          <a:p>
+            <a:pPr lvl="1" defTabSz="762000">
+              <a:lnSpc>
+                <a:spcPct val="90000"/>
+              </a:lnSpc>
+            </a:pPr>
+            <a:r>
+              <a:rPr lang="da-DK" dirty="0" err="1" smtClean="0"/>
+              <a:t>insert</a:t>
+            </a:r>
+            <a:r>
+              <a:rPr lang="da-DK" dirty="0" smtClean="0"/>
+              <a:t> all elements </a:t>
+            </a:r>
+            <a:r>
+              <a:rPr lang="da-DK" dirty="0" err="1" smtClean="0"/>
+              <a:t>into</a:t>
+            </a:r>
+            <a:r>
+              <a:rPr lang="da-DK" dirty="0" smtClean="0"/>
+              <a:t> a </a:t>
+            </a:r>
+            <a:r>
+              <a:rPr lang="da-DK" dirty="0" err="1" smtClean="0"/>
+              <a:t>Binary</a:t>
+            </a:r>
+            <a:r>
+              <a:rPr lang="da-DK" dirty="0" smtClean="0"/>
+              <a:t> Search </a:t>
+            </a:r>
+            <a:r>
+              <a:rPr lang="da-DK" dirty="0" err="1" smtClean="0"/>
+              <a:t>Tree</a:t>
+            </a:r>
+            <a:endParaRPr lang="da-DK" dirty="0"/>
+          </a:p>
+          <a:p>
+            <a:pPr lvl="1" defTabSz="762000">
+              <a:lnSpc>
+                <a:spcPct val="90000"/>
+              </a:lnSpc>
+            </a:pPr>
+            <a:r>
+              <a:rPr lang="da-DK" dirty="0" err="1" smtClean="0"/>
+              <a:t>Traverse</a:t>
+            </a:r>
+            <a:r>
+              <a:rPr lang="da-DK" dirty="0" smtClean="0"/>
+              <a:t> the </a:t>
+            </a:r>
+            <a:r>
+              <a:rPr lang="da-DK" dirty="0" err="1" smtClean="0"/>
+              <a:t>tree</a:t>
+            </a:r>
+            <a:r>
+              <a:rPr lang="da-DK" dirty="0" smtClean="0"/>
+              <a:t/>
+            </a:r>
+            <a:br>
+              <a:rPr lang="da-DK" dirty="0" smtClean="0"/>
+            </a:br>
+            <a:endParaRPr lang="da-DK" dirty="0"/>
+          </a:p>
+          <a:p>
+            <a:pPr defTabSz="762000">
+              <a:lnSpc>
+                <a:spcPct val="90000"/>
+              </a:lnSpc>
+            </a:pPr>
+            <a:r>
+              <a:rPr lang="da-DK" dirty="0" err="1" smtClean="0"/>
+              <a:t>Efficiency</a:t>
+            </a:r>
+            <a:endParaRPr lang="da-DK" dirty="0" smtClean="0"/>
+          </a:p>
+          <a:p>
+            <a:pPr lvl="1" defTabSz="762000">
+              <a:lnSpc>
+                <a:spcPct val="90000"/>
+              </a:lnSpc>
+            </a:pPr>
+            <a:r>
+              <a:rPr lang="da-DK" dirty="0" smtClean="0"/>
+              <a:t>Average </a:t>
+            </a:r>
+            <a:r>
+              <a:rPr lang="da-DK" dirty="0"/>
+              <a:t>	O(n*log n) 	</a:t>
+            </a:r>
+          </a:p>
+          <a:p>
+            <a:pPr lvl="1" defTabSz="762000">
+              <a:lnSpc>
+                <a:spcPct val="90000"/>
+              </a:lnSpc>
+            </a:pPr>
+            <a:r>
+              <a:rPr lang="da-DK" sz="2400" dirty="0" err="1"/>
+              <a:t>Worst</a:t>
+            </a:r>
+            <a:r>
+              <a:rPr lang="da-DK" sz="2400" dirty="0"/>
+              <a:t>	O(n</a:t>
+            </a:r>
+            <a:r>
+              <a:rPr lang="da-DK" sz="2400" baseline="30000" dirty="0"/>
+              <a:t>2</a:t>
+            </a:r>
+            <a:r>
+              <a:rPr lang="da-DK" sz="2400" dirty="0"/>
+              <a:t>)	</a:t>
+            </a:r>
+          </a:p>
+          <a:p>
+            <a:pPr lvl="1" defTabSz="762000">
+              <a:lnSpc>
+                <a:spcPct val="90000"/>
+              </a:lnSpc>
+            </a:pPr>
+            <a:r>
+              <a:rPr lang="da-DK" sz="2400" dirty="0" err="1" smtClean="0"/>
+              <a:t>Principle</a:t>
+            </a:r>
+            <a:r>
+              <a:rPr lang="da-DK" sz="2400" dirty="0" smtClean="0"/>
+              <a:t> ?</a:t>
+            </a:r>
+          </a:p>
+          <a:p>
+            <a:pPr lvl="2" defTabSz="762000">
+              <a:lnSpc>
+                <a:spcPct val="90000"/>
+              </a:lnSpc>
+            </a:pPr>
+            <a:r>
+              <a:rPr lang="da-DK" sz="2000" dirty="0" smtClean="0"/>
+              <a:t>n </a:t>
+            </a:r>
+            <a:r>
+              <a:rPr lang="da-DK" sz="2000" dirty="0" err="1" smtClean="0"/>
+              <a:t>inserts</a:t>
+            </a:r>
+            <a:r>
+              <a:rPr lang="da-DK" sz="2000" dirty="0" smtClean="0"/>
+              <a:t>  </a:t>
+            </a:r>
+            <a:r>
+              <a:rPr lang="da-DK" sz="2000" dirty="0" err="1" smtClean="0"/>
+              <a:t>each</a:t>
+            </a:r>
+            <a:r>
+              <a:rPr lang="da-DK" sz="2000" dirty="0" smtClean="0"/>
+              <a:t> of O(log n)   =&gt; O(n log n)</a:t>
+            </a:r>
+          </a:p>
+          <a:p>
+            <a:pPr lvl="2" defTabSz="762000">
+              <a:lnSpc>
+                <a:spcPct val="90000"/>
+              </a:lnSpc>
+            </a:pPr>
+            <a:r>
+              <a:rPr lang="da-DK" sz="2000" dirty="0" smtClean="0"/>
+              <a:t>Traversal  O(n)</a:t>
+            </a:r>
+            <a:endParaRPr lang="da-DK" sz="2000" dirty="0"/>
+          </a:p>
+          <a:p>
+            <a:endParaRPr lang="da-DK" dirty="0"/>
+          </a:p>
+        </p:txBody>
+      </p:sp>
+      <p:sp>
+        <p:nvSpPr>
+          <p:cNvPr id="4" name="Footer Placeholder 3"/>
+          <p:cNvSpPr>
+            <a:spLocks noGrp="1"/>
+          </p:cNvSpPr>
+          <p:nvPr>
+            <p:ph type="ftr" sz="quarter" idx="11"/>
+          </p:nvPr>
+        </p:nvSpPr>
+        <p:spPr/>
+        <p:txBody>
+          <a:bodyPr/>
+          <a:lstStyle/>
+          <a:p>
+            <a:r>
+              <a:rPr lang="da-DK" smtClean="0"/>
+              <a:t>Recursion and Binary Trees</a:t>
+            </a:r>
+            <a:endParaRPr lang="da-DK"/>
+          </a:p>
+        </p:txBody>
+      </p:sp>
+      <p:sp>
+        <p:nvSpPr>
+          <p:cNvPr id="5" name="Date Placeholder 4"/>
+          <p:cNvSpPr>
+            <a:spLocks noGrp="1"/>
+          </p:cNvSpPr>
+          <p:nvPr>
+            <p:ph type="dt" sz="half" idx="10"/>
+          </p:nvPr>
+        </p:nvSpPr>
+        <p:spPr/>
+        <p:txBody>
+          <a:bodyPr/>
+          <a:lstStyle/>
+          <a:p>
+            <a:r>
+              <a:rPr lang="da-DK" smtClean="0"/>
+              <a:t>hau</a:t>
+            </a:r>
+            <a:endParaRPr lang="da-DK"/>
+          </a:p>
+        </p:txBody>
+      </p:sp>
+      <p:sp>
+        <p:nvSpPr>
+          <p:cNvPr id="6" name="Slide Number Placeholder 5"/>
+          <p:cNvSpPr>
+            <a:spLocks noGrp="1"/>
+          </p:cNvSpPr>
+          <p:nvPr>
+            <p:ph type="sldNum" sz="quarter" idx="12"/>
+          </p:nvPr>
+        </p:nvSpPr>
+        <p:spPr/>
+        <p:txBody>
+          <a:bodyPr/>
+          <a:lstStyle/>
+          <a:p>
+            <a:fld id="{DAB94411-2297-4BD0-B197-35E3682289EC}" type="slidenum">
+              <a:rPr lang="da-DK" smtClean="0"/>
+              <a:t>13</a:t>
+            </a:fld>
+            <a:endParaRPr lang="da-DK"/>
+          </a:p>
+        </p:txBody>
+      </p:sp>
+    </p:spTree>
+    <p:extLst>
+      <p:ext uri="{BB962C8B-B14F-4D97-AF65-F5344CB8AC3E}">
+        <p14:creationId xmlns:p14="http://schemas.microsoft.com/office/powerpoint/2010/main" val="216185556"/>
+      </p:ext>
+    </p:extLst>
+  </p:cSld>
+  <p:clrMapOvr>
+    <a:masterClrMapping/>
+  </p:clrMapOvr>
+  <p:timing>
+    <p:tnLst>
+      <p:par>
+        <p:cTn id="1" dur="indefinite" restart="never" nodeType="tmRoot"/>
+      </p:par>
+    </p:tnLst>
+  </p:timing>
+</p:sld>
+</file>
+
+<file path=ppt/slides/slide2.xml><?xml version="1.0" encoding="utf-8"?>
+<p:sld xmlns:a="http://schemas.openxmlformats.org/drawingml/2006/main" xmlns:r="http://schemas.openxmlformats.org/officeDocument/2006/relationships" xmlns:p="http://schemas.openxmlformats.org/presentationml/2006/main">
+  <p:cSld>
+    <p:spTree>
+      <p:nvGrpSpPr>
+        <p:cNvPr id="1" name=""/>
+        <p:cNvGrpSpPr/>
+        <p:nvPr/>
+      </p:nvGrpSpPr>
+      <p:grpSpPr>
+        <a:xfrm>
+          <a:off x="0" y="0"/>
+          <a:ext cx="0" cy="0"/>
+          <a:chOff x="0" y="0"/>
+          <a:chExt cx="0" cy="0"/>
+        </a:xfrm>
+      </p:grpSpPr>
+      <p:sp>
+        <p:nvSpPr>
+          <p:cNvPr id="5" name="Footer Placeholder 4"/>
+          <p:cNvSpPr>
+            <a:spLocks noGrp="1"/>
+          </p:cNvSpPr>
+          <p:nvPr>
+            <p:ph type="ftr" sz="quarter" idx="11"/>
+          </p:nvPr>
+        </p:nvSpPr>
+        <p:spPr/>
+        <p:txBody>
+          <a:bodyPr/>
+          <a:lstStyle/>
+          <a:p>
+            <a:r>
+              <a:rPr lang="da-DK" smtClean="0"/>
+              <a:t>Recursion and Binary Trees</a:t>
+            </a:r>
+            <a:endParaRPr lang="da-DK"/>
+          </a:p>
+        </p:txBody>
+      </p:sp>
+      <p:sp>
+        <p:nvSpPr>
+          <p:cNvPr id="54274" name="Rectangle 2"/>
+          <p:cNvSpPr>
+            <a:spLocks noGrp="1" noChangeArrowheads="1"/>
+          </p:cNvSpPr>
+          <p:nvPr>
+            <p:ph type="title"/>
+          </p:nvPr>
+        </p:nvSpPr>
+        <p:spPr/>
+        <p:txBody>
+          <a:bodyPr>
+            <a:normAutofit fontScale="90000"/>
+          </a:bodyPr>
+          <a:lstStyle/>
+          <a:p>
+            <a:r>
+              <a:rPr lang="da-DK" sz="4000" dirty="0" smtClean="0"/>
+              <a:t>A </a:t>
+            </a:r>
+            <a:r>
+              <a:rPr lang="da-DK" sz="4000" dirty="0" err="1" smtClean="0"/>
+              <a:t>recursive</a:t>
+            </a:r>
+            <a:r>
+              <a:rPr lang="da-DK" sz="4000" dirty="0" smtClean="0"/>
+              <a:t> solution:</a:t>
+            </a:r>
+            <a:br>
+              <a:rPr lang="da-DK" sz="4000" dirty="0" smtClean="0"/>
+            </a:br>
+            <a:r>
+              <a:rPr lang="da-DK" sz="4000" dirty="0" smtClean="0"/>
+              <a:t>Is </a:t>
+            </a:r>
+            <a:r>
+              <a:rPr lang="da-DK" sz="4000" dirty="0" err="1" smtClean="0"/>
+              <a:t>built</a:t>
+            </a:r>
+            <a:r>
+              <a:rPr lang="da-DK" sz="4000" dirty="0" smtClean="0"/>
+              <a:t> on the </a:t>
+            </a:r>
+            <a:r>
+              <a:rPr lang="da-DK" sz="4000" dirty="0" err="1" smtClean="0"/>
+              <a:t>idea</a:t>
+            </a:r>
+            <a:r>
+              <a:rPr lang="da-DK" sz="4000" dirty="0" smtClean="0"/>
+              <a:t> </a:t>
+            </a:r>
+            <a:r>
+              <a:rPr lang="da-DK" sz="4000" dirty="0" err="1" smtClean="0"/>
+              <a:t>that</a:t>
+            </a:r>
+            <a:r>
+              <a:rPr lang="da-DK" sz="4000" dirty="0" smtClean="0"/>
+              <a:t> ..</a:t>
+            </a:r>
+            <a:endParaRPr lang="da-DK" sz="2800" dirty="0"/>
+          </a:p>
+        </p:txBody>
+      </p:sp>
+      <p:sp>
+        <p:nvSpPr>
+          <p:cNvPr id="54275" name="Rectangle 3"/>
+          <p:cNvSpPr>
+            <a:spLocks noGrp="1" noChangeArrowheads="1"/>
+          </p:cNvSpPr>
+          <p:nvPr>
+            <p:ph type="body" idx="1"/>
+          </p:nvPr>
+        </p:nvSpPr>
+        <p:spPr>
+          <a:xfrm>
+            <a:off x="304800" y="1600200"/>
+            <a:ext cx="8610600" cy="4525963"/>
+          </a:xfrm>
+        </p:spPr>
+        <p:txBody>
+          <a:bodyPr>
+            <a:normAutofit/>
+          </a:bodyPr>
+          <a:lstStyle/>
+          <a:p>
+            <a:r>
+              <a:rPr lang="da-DK" dirty="0" err="1" smtClean="0"/>
+              <a:t>Either</a:t>
+            </a:r>
+            <a:r>
+              <a:rPr lang="da-DK" dirty="0" smtClean="0"/>
+              <a:t> the solution is </a:t>
+            </a:r>
+            <a:r>
+              <a:rPr lang="da-DK" dirty="0" err="1" smtClean="0"/>
+              <a:t>straight</a:t>
+            </a:r>
+            <a:r>
+              <a:rPr lang="da-DK" dirty="0" smtClean="0"/>
+              <a:t> forward  (</a:t>
+            </a:r>
+            <a:r>
+              <a:rPr lang="da-DK" dirty="0" err="1" smtClean="0"/>
+              <a:t>obvious</a:t>
+            </a:r>
+            <a:r>
+              <a:rPr lang="da-DK" dirty="0" smtClean="0"/>
+              <a:t> )</a:t>
+            </a:r>
+          </a:p>
+          <a:p>
+            <a:r>
+              <a:rPr lang="da-DK" dirty="0" smtClean="0"/>
+              <a:t>Or the solution </a:t>
+            </a:r>
+            <a:r>
+              <a:rPr lang="da-DK" dirty="0" err="1" smtClean="0"/>
+              <a:t>can</a:t>
+            </a:r>
+            <a:r>
+              <a:rPr lang="da-DK" dirty="0" smtClean="0"/>
+              <a:t> </a:t>
+            </a:r>
+            <a:r>
+              <a:rPr lang="da-DK" dirty="0" err="1" smtClean="0"/>
+              <a:t>be</a:t>
+            </a:r>
+            <a:r>
+              <a:rPr lang="da-DK" dirty="0" smtClean="0"/>
+              <a:t> </a:t>
+            </a:r>
+            <a:r>
+              <a:rPr lang="da-DK" dirty="0" err="1" smtClean="0"/>
+              <a:t>expressed</a:t>
+            </a:r>
+            <a:r>
+              <a:rPr lang="da-DK" dirty="0" smtClean="0"/>
+              <a:t> in terms of the solution to a ”</a:t>
+            </a:r>
+            <a:r>
+              <a:rPr lang="da-DK" b="1" dirty="0" smtClean="0"/>
+              <a:t>smaller</a:t>
+            </a:r>
+            <a:r>
+              <a:rPr lang="da-DK" dirty="0" smtClean="0"/>
+              <a:t>” problem of ”</a:t>
+            </a:r>
+            <a:r>
+              <a:rPr lang="da-DK" b="1" dirty="0" smtClean="0"/>
+              <a:t>the same type” </a:t>
+            </a:r>
+            <a:endParaRPr lang="da-DK" b="1" dirty="0"/>
+          </a:p>
+        </p:txBody>
+      </p:sp>
+      <p:sp>
+        <p:nvSpPr>
+          <p:cNvPr id="2" name="Date Placeholder 1"/>
+          <p:cNvSpPr>
+            <a:spLocks noGrp="1"/>
+          </p:cNvSpPr>
+          <p:nvPr>
+            <p:ph type="dt" sz="half" idx="10"/>
+          </p:nvPr>
+        </p:nvSpPr>
+        <p:spPr/>
+        <p:txBody>
+          <a:bodyPr/>
+          <a:lstStyle/>
+          <a:p>
+            <a:r>
+              <a:rPr lang="da-DK" smtClean="0"/>
+              <a:t>hau</a:t>
+            </a:r>
+            <a:endParaRPr lang="da-DK"/>
+          </a:p>
+        </p:txBody>
+      </p:sp>
+      <p:sp>
+        <p:nvSpPr>
+          <p:cNvPr id="3" name="Slide Number Placeholder 2"/>
+          <p:cNvSpPr>
+            <a:spLocks noGrp="1"/>
+          </p:cNvSpPr>
+          <p:nvPr>
+            <p:ph type="sldNum" sz="quarter" idx="12"/>
+          </p:nvPr>
+        </p:nvSpPr>
+        <p:spPr/>
+        <p:txBody>
+          <a:bodyPr/>
+          <a:lstStyle/>
+          <a:p>
+            <a:fld id="{DAB94411-2297-4BD0-B197-35E3682289EC}" type="slidenum">
+              <a:rPr lang="da-DK" smtClean="0"/>
+              <a:t>2</a:t>
+            </a:fld>
+            <a:endParaRPr lang="da-DK"/>
+          </a:p>
+        </p:txBody>
+      </p:sp>
+    </p:spTree>
+    <p:extLst>
+      <p:ext uri="{BB962C8B-B14F-4D97-AF65-F5344CB8AC3E}">
+        <p14:creationId xmlns:p14="http://schemas.microsoft.com/office/powerpoint/2010/main" val="633466242"/>
+      </p:ext>
+    </p:extLst>
+  </p:cSld>
+  <p:clrMapOvr>
+    <a:masterClrMapping/>
+  </p:clrMapOvr>
+  <p:timing>
+    <p:tnLst>
+      <p:par>
+        <p:cTn id="1" dur="indefinite" restart="never" nodeType="tmRoot"/>
+      </p:par>
+    </p:tnLst>
+  </p:timing>
+</p:sld>
+</file>
+
+<file path=ppt/slides/slide3.xml><?xml version="1.0" encoding="utf-8"?>
+<p:sld xmlns:a="http://schemas.openxmlformats.org/drawingml/2006/main" xmlns:r="http://schemas.openxmlformats.org/officeDocument/2006/relationships" xmlns:p="http://schemas.openxmlformats.org/presentationml/2006/main">
+  <p:cSld>
+    <p:spTree>
+      <p:nvGrpSpPr>
+        <p:cNvPr id="1" name=""/>
+        <p:cNvGrpSpPr/>
+        <p:nvPr/>
+      </p:nvGrpSpPr>
+      <p:grpSpPr>
+        <a:xfrm>
+          <a:off x="0" y="0"/>
+          <a:ext cx="0" cy="0"/>
+          <a:chOff x="0" y="0"/>
+          <a:chExt cx="0" cy="0"/>
+        </a:xfrm>
+      </p:grpSpPr>
+      <p:sp>
+        <p:nvSpPr>
+          <p:cNvPr id="55298" name="Rectangle 2"/>
+          <p:cNvSpPr>
+            <a:spLocks noGrp="1" noChangeArrowheads="1"/>
+          </p:cNvSpPr>
+          <p:nvPr>
+            <p:ph type="title"/>
+          </p:nvPr>
+        </p:nvSpPr>
+        <p:spPr/>
+        <p:txBody>
+          <a:bodyPr>
+            <a:normAutofit/>
+          </a:bodyPr>
+          <a:lstStyle/>
+          <a:p>
+            <a:r>
+              <a:rPr lang="da-DK" sz="4000" dirty="0" smtClean="0"/>
+              <a:t>A </a:t>
+            </a:r>
+            <a:r>
+              <a:rPr lang="da-DK" sz="4000" dirty="0" err="1" smtClean="0"/>
+              <a:t>recursive</a:t>
+            </a:r>
+            <a:r>
+              <a:rPr lang="da-DK" sz="4000" dirty="0" smtClean="0"/>
+              <a:t> Java </a:t>
+            </a:r>
+            <a:r>
+              <a:rPr lang="da-DK" sz="4000" dirty="0" err="1" smtClean="0"/>
+              <a:t>method</a:t>
+            </a:r>
+            <a:endParaRPr lang="da-DK" sz="2800" dirty="0"/>
+          </a:p>
+        </p:txBody>
+      </p:sp>
+      <p:sp>
+        <p:nvSpPr>
+          <p:cNvPr id="55299" name="Rectangle 3"/>
+          <p:cNvSpPr>
+            <a:spLocks noGrp="1" noChangeArrowheads="1"/>
+          </p:cNvSpPr>
+          <p:nvPr>
+            <p:ph type="body" idx="1"/>
+          </p:nvPr>
+        </p:nvSpPr>
+        <p:spPr/>
+        <p:txBody>
+          <a:bodyPr/>
+          <a:lstStyle/>
+          <a:p>
+            <a:pPr marL="533400" indent="-533400">
+              <a:lnSpc>
+                <a:spcPct val="90000"/>
+              </a:lnSpc>
+              <a:buFontTx/>
+              <a:buAutoNum type="arabicPeriod"/>
+            </a:pPr>
+            <a:r>
+              <a:rPr lang="da-DK" dirty="0" smtClean="0"/>
+              <a:t>The </a:t>
+            </a:r>
+            <a:r>
+              <a:rPr lang="da-DK" dirty="0" err="1" smtClean="0"/>
+              <a:t>method</a:t>
+            </a:r>
+            <a:r>
+              <a:rPr lang="da-DK" dirty="0" smtClean="0"/>
+              <a:t> </a:t>
+            </a:r>
+            <a:r>
+              <a:rPr lang="da-DK" dirty="0" err="1" smtClean="0"/>
+              <a:t>calls</a:t>
+            </a:r>
+            <a:r>
+              <a:rPr lang="da-DK" dirty="0" smtClean="0"/>
+              <a:t> </a:t>
+            </a:r>
+            <a:r>
+              <a:rPr lang="da-DK" dirty="0" err="1" smtClean="0"/>
+              <a:t>itself</a:t>
+            </a:r>
+            <a:r>
+              <a:rPr lang="da-DK" dirty="0" smtClean="0"/>
+              <a:t> (”</a:t>
+            </a:r>
+            <a:r>
+              <a:rPr lang="da-DK" dirty="0" err="1" smtClean="0"/>
+              <a:t>recursive</a:t>
+            </a:r>
+            <a:r>
+              <a:rPr lang="da-DK" dirty="0" smtClean="0"/>
+              <a:t> </a:t>
+            </a:r>
+            <a:r>
+              <a:rPr lang="da-DK" dirty="0" err="1" smtClean="0"/>
+              <a:t>call</a:t>
+            </a:r>
+            <a:r>
+              <a:rPr lang="da-DK" dirty="0" smtClean="0"/>
+              <a:t>”)</a:t>
+            </a:r>
+          </a:p>
+          <a:p>
+            <a:pPr marL="533400" indent="-533400">
+              <a:lnSpc>
+                <a:spcPct val="90000"/>
+              </a:lnSpc>
+              <a:buFontTx/>
+              <a:buAutoNum type="arabicPeriod"/>
+            </a:pPr>
+            <a:r>
+              <a:rPr lang="da-DK" dirty="0" smtClean="0"/>
+              <a:t>The </a:t>
+            </a:r>
+            <a:r>
+              <a:rPr lang="da-DK" b="1" dirty="0" err="1" smtClean="0"/>
+              <a:t>recursive</a:t>
+            </a:r>
+            <a:r>
+              <a:rPr lang="da-DK" b="1" dirty="0" smtClean="0"/>
+              <a:t> </a:t>
+            </a:r>
+            <a:r>
+              <a:rPr lang="da-DK" b="1" dirty="0" err="1" smtClean="0"/>
+              <a:t>call</a:t>
+            </a:r>
+            <a:r>
+              <a:rPr lang="da-DK" b="1" dirty="0" smtClean="0"/>
+              <a:t> </a:t>
+            </a:r>
+            <a:r>
+              <a:rPr lang="da-DK" dirty="0" err="1" smtClean="0"/>
+              <a:t>solves</a:t>
+            </a:r>
+            <a:r>
+              <a:rPr lang="da-DK" dirty="0" smtClean="0"/>
+              <a:t> a smaller problem </a:t>
+            </a:r>
+            <a:endParaRPr lang="da-DK" dirty="0"/>
+          </a:p>
+          <a:p>
+            <a:pPr marL="533400" indent="-533400">
+              <a:lnSpc>
+                <a:spcPct val="90000"/>
+              </a:lnSpc>
+              <a:buFontTx/>
+              <a:buAutoNum type="arabicPeriod"/>
+            </a:pPr>
+            <a:r>
+              <a:rPr lang="da-DK" dirty="0" smtClean="0"/>
+              <a:t>The </a:t>
+            </a:r>
+            <a:r>
+              <a:rPr lang="da-DK" dirty="0" err="1" smtClean="0"/>
+              <a:t>method</a:t>
+            </a:r>
+            <a:r>
+              <a:rPr lang="da-DK" dirty="0" smtClean="0"/>
+              <a:t> </a:t>
+            </a:r>
+            <a:r>
+              <a:rPr lang="da-DK" dirty="0" err="1" smtClean="0"/>
+              <a:t>determines</a:t>
+            </a:r>
+            <a:r>
+              <a:rPr lang="da-DK" dirty="0" smtClean="0"/>
+              <a:t> </a:t>
+            </a:r>
+            <a:r>
+              <a:rPr lang="da-DK" dirty="0" err="1" smtClean="0"/>
+              <a:t>whether</a:t>
+            </a:r>
+            <a:r>
+              <a:rPr lang="da-DK" dirty="0" smtClean="0"/>
+              <a:t> a ”</a:t>
+            </a:r>
+            <a:r>
+              <a:rPr lang="da-DK" b="1" dirty="0" smtClean="0"/>
+              <a:t>base-case</a:t>
+            </a:r>
+            <a:r>
+              <a:rPr lang="da-DK" dirty="0"/>
+              <a:t>” </a:t>
+            </a:r>
+            <a:r>
+              <a:rPr lang="da-DK" dirty="0" smtClean="0"/>
+              <a:t>has </a:t>
+            </a:r>
+            <a:r>
+              <a:rPr lang="da-DK" dirty="0" err="1" smtClean="0"/>
+              <a:t>been</a:t>
+            </a:r>
+            <a:r>
+              <a:rPr lang="da-DK" dirty="0" smtClean="0"/>
+              <a:t> </a:t>
+            </a:r>
+            <a:r>
+              <a:rPr lang="da-DK" dirty="0" err="1" smtClean="0"/>
+              <a:t>reached</a:t>
+            </a:r>
+            <a:r>
+              <a:rPr lang="da-DK" dirty="0" smtClean="0"/>
+              <a:t>. If </a:t>
+            </a:r>
+            <a:r>
+              <a:rPr lang="da-DK" dirty="0" err="1" smtClean="0"/>
+              <a:t>this</a:t>
+            </a:r>
+            <a:r>
+              <a:rPr lang="da-DK" dirty="0" smtClean="0"/>
+              <a:t> is the case, the </a:t>
+            </a:r>
+            <a:r>
+              <a:rPr lang="da-DK" dirty="0" err="1" smtClean="0"/>
+              <a:t>recursive</a:t>
+            </a:r>
+            <a:r>
+              <a:rPr lang="da-DK" dirty="0" smtClean="0"/>
+              <a:t> </a:t>
+            </a:r>
+            <a:r>
+              <a:rPr lang="da-DK" dirty="0" err="1" smtClean="0"/>
+              <a:t>call</a:t>
+            </a:r>
+            <a:r>
+              <a:rPr lang="da-DK" dirty="0" smtClean="0"/>
+              <a:t> is not made</a:t>
+            </a:r>
+            <a:endParaRPr lang="da-DK" dirty="0"/>
+          </a:p>
+          <a:p>
+            <a:pPr marL="533400" indent="-533400">
+              <a:lnSpc>
+                <a:spcPct val="90000"/>
+              </a:lnSpc>
+              <a:buFontTx/>
+              <a:buAutoNum type="arabicPeriod"/>
+            </a:pPr>
+            <a:r>
+              <a:rPr lang="da-DK" dirty="0" err="1" smtClean="0"/>
+              <a:t>Sooner</a:t>
+            </a:r>
+            <a:r>
+              <a:rPr lang="da-DK" dirty="0" smtClean="0"/>
+              <a:t> or </a:t>
+            </a:r>
+            <a:r>
+              <a:rPr lang="da-DK" dirty="0" err="1" smtClean="0"/>
+              <a:t>later</a:t>
+            </a:r>
+            <a:r>
+              <a:rPr lang="da-DK" dirty="0" smtClean="0"/>
+              <a:t>, the smaller problem </a:t>
+            </a:r>
+            <a:r>
+              <a:rPr lang="da-DK" dirty="0" err="1" smtClean="0"/>
+              <a:t>will</a:t>
+            </a:r>
+            <a:r>
+              <a:rPr lang="da-DK" dirty="0" smtClean="0"/>
+              <a:t> </a:t>
+            </a:r>
+            <a:r>
+              <a:rPr lang="da-DK" dirty="0" err="1" smtClean="0"/>
+              <a:t>turn</a:t>
+            </a:r>
+            <a:r>
+              <a:rPr lang="da-DK" dirty="0" smtClean="0"/>
+              <a:t> </a:t>
+            </a:r>
+            <a:r>
+              <a:rPr lang="da-DK" dirty="0" err="1" smtClean="0"/>
+              <a:t>into</a:t>
+            </a:r>
+            <a:r>
+              <a:rPr lang="da-DK" dirty="0" smtClean="0"/>
+              <a:t> the base case</a:t>
+            </a:r>
+            <a:endParaRPr lang="da-DK" dirty="0"/>
+          </a:p>
+        </p:txBody>
+      </p:sp>
+      <p:sp>
+        <p:nvSpPr>
+          <p:cNvPr id="55300" name="Oval 4"/>
+          <p:cNvSpPr>
+            <a:spLocks noChangeArrowheads="1"/>
+          </p:cNvSpPr>
+          <p:nvPr/>
+        </p:nvSpPr>
+        <p:spPr bwMode="auto">
+          <a:xfrm>
+            <a:off x="-1295400" y="3124200"/>
+            <a:ext cx="1066800" cy="990600"/>
+          </a:xfrm>
+          <a:prstGeom prst="ellipse">
+            <a:avLst/>
+          </a:prstGeom>
+          <a:solidFill>
+            <a:srgbClr val="FF0000"/>
+          </a:solidFill>
+          <a:ln w="9525">
+            <a:solidFill>
+              <a:schemeClr val="tx1"/>
+            </a:solidFill>
+            <a:round/>
+            <a:headEnd/>
+            <a:tailEnd/>
+          </a:ln>
+          <a:effectLst/>
+          <a:extLst>
+            <a:ext uri="{AF507438-7753-43E0-B8FC-AC1667EBCBE1}">
+              <a14:hiddenEffects xmlns:a14="http://schemas.microsoft.com/office/drawing/2010/main">
+                <a:effectLst>
+                  <a:outerShdw dist="35921" dir="2700000" algn="ctr" rotWithShape="0">
+                    <a:schemeClr val="bg2"/>
+                  </a:outerShdw>
+                </a:effectLst>
+              </a14:hiddenEffects>
+            </a:ext>
+          </a:extLst>
+        </p:spPr>
+        <p:txBody>
+          <a:bodyPr wrap="none" anchor="ctr"/>
+          <a:lstStyle/>
+          <a:p>
+            <a:endParaRPr lang="da-DK"/>
+          </a:p>
+        </p:txBody>
+      </p:sp>
+      <p:sp>
+        <p:nvSpPr>
+          <p:cNvPr id="2" name="Footer Placeholder 1"/>
+          <p:cNvSpPr>
+            <a:spLocks noGrp="1"/>
+          </p:cNvSpPr>
+          <p:nvPr>
+            <p:ph type="ftr" sz="quarter" idx="11"/>
+          </p:nvPr>
+        </p:nvSpPr>
+        <p:spPr/>
+        <p:txBody>
+          <a:bodyPr/>
+          <a:lstStyle/>
+          <a:p>
+            <a:r>
+              <a:rPr lang="da-DK" smtClean="0"/>
+              <a:t>Recursion and Binary Trees</a:t>
+            </a:r>
+            <a:endParaRPr lang="da-DK"/>
+          </a:p>
+        </p:txBody>
+      </p:sp>
+      <p:sp>
+        <p:nvSpPr>
+          <p:cNvPr id="3" name="Date Placeholder 2"/>
+          <p:cNvSpPr>
+            <a:spLocks noGrp="1"/>
+          </p:cNvSpPr>
+          <p:nvPr>
+            <p:ph type="dt" sz="half" idx="10"/>
+          </p:nvPr>
+        </p:nvSpPr>
+        <p:spPr/>
+        <p:txBody>
+          <a:bodyPr/>
+          <a:lstStyle/>
+          <a:p>
+            <a:r>
+              <a:rPr lang="da-DK" smtClean="0"/>
+              <a:t>hau</a:t>
+            </a:r>
+            <a:endParaRPr lang="da-DK"/>
+          </a:p>
+        </p:txBody>
+      </p:sp>
+      <p:sp>
+        <p:nvSpPr>
+          <p:cNvPr id="4" name="Slide Number Placeholder 3"/>
+          <p:cNvSpPr>
+            <a:spLocks noGrp="1"/>
+          </p:cNvSpPr>
+          <p:nvPr>
+            <p:ph type="sldNum" sz="quarter" idx="12"/>
+          </p:nvPr>
+        </p:nvSpPr>
+        <p:spPr/>
+        <p:txBody>
+          <a:bodyPr/>
+          <a:lstStyle/>
+          <a:p>
+            <a:fld id="{DAB94411-2297-4BD0-B197-35E3682289EC}" type="slidenum">
+              <a:rPr lang="da-DK" smtClean="0"/>
+              <a:t>3</a:t>
+            </a:fld>
+            <a:endParaRPr lang="da-DK"/>
+          </a:p>
+        </p:txBody>
+      </p:sp>
+    </p:spTree>
+    <p:extLst>
+      <p:ext uri="{BB962C8B-B14F-4D97-AF65-F5344CB8AC3E}">
+        <p14:creationId xmlns:p14="http://schemas.microsoft.com/office/powerpoint/2010/main" val="1258576271"/>
+      </p:ext>
+    </p:extLst>
+  </p:cSld>
+  <p:clrMapOvr>
+    <a:masterClrMapping/>
+  </p:clrMapOvr>
+  <p:timing>
+    <p:tnLst>
+      <p:par>
+        <p:cTn id="1" dur="indefinite" restart="never" nodeType="tmRoot">
+          <p:childTnLst>
+            <p:seq concurrent="1" nextAc="seek">
+              <p:cTn id="2" dur="indefinite" nodeType="mainSeq">
+                <p:childTnLst>
+                  <p:par>
+                    <p:cTn id="3" fill="hold" nodeType="clickPar">
+                      <p:stCondLst>
+                        <p:cond delay="indefinite"/>
+                        <p:cond evt="onBegin" delay="0">
+                          <p:tn val="2"/>
+                        </p:cond>
+                      </p:stCondLst>
+                      <p:childTnLst>
+                        <p:par>
+                          <p:cTn id="4" fill="hold" nodeType="withGroup">
+                            <p:stCondLst>
+                              <p:cond delay="0"/>
+                            </p:stCondLst>
+                            <p:childTnLst>
+                              <p:par>
+                                <p:cTn id="5" presetID="37" presetClass="path" presetSubtype="0" accel="50000" decel="50000" fill="hold" grpId="0" nodeType="afterEffect">
+                                  <p:stCondLst>
+                                    <p:cond delay="3000"/>
+                                  </p:stCondLst>
+                                  <p:childTnLst>
+                                    <p:animMotion origin="layout" path="M -0.11667 -0.06106 L 0.23819 0.037 C 0.31267 0.0592 0.42396 0.07192 0.5401 0.07192 C 0.67239 0.07192 0.77795 0.0592 0.85277 0.037 L 1.20833 -0.06106 " pathEditMode="relative" rAng="0" ptsTypes="FffFF">
+                                      <p:cBhvr>
+                                        <p:cTn id="6" dur="1000" fill="hold"/>
+                                        <p:tgtEl>
+                                          <p:spTgt spid="55300"/>
+                                        </p:tgtEl>
+                                        <p:attrNameLst>
+                                          <p:attrName>ppt_x</p:attrName>
+                                          <p:attrName>ppt_y</p:attrName>
+                                        </p:attrNameLst>
+                                      </p:cBhvr>
+                                      <p:rCtr x="66250" y="6637"/>
+                                    </p:animMotion>
+                                  </p:childTnLst>
+                                </p:cTn>
+                              </p:par>
+                            </p:childTnLst>
+                          </p:cTn>
+                        </p:par>
+                      </p:childTnLst>
+                    </p:cTn>
+                  </p:par>
+                </p:childTnLst>
+              </p:cTn>
+              <p:prevCondLst>
+                <p:cond evt="onPrev" delay="0">
+                  <p:tgtEl>
+                    <p:sldTgt/>
+                  </p:tgtEl>
+                </p:cond>
+              </p:prevCondLst>
+              <p:nextCondLst>
+                <p:cond evt="onNext" delay="0">
+                  <p:tgtEl>
+                    <p:sldTgt/>
+                  </p:tgtEl>
+                </p:cond>
+              </p:nextCondLst>
+            </p:seq>
+          </p:childTnLst>
+        </p:cTn>
+      </p:par>
+    </p:tnLst>
+    <p:bldLst>
+      <p:bldP spid="55300" grpId="0" animBg="1"/>
+    </p:bldLst>
+  </p:timing>
+</p:sld>
+</file>
+
+<file path=ppt/slides/slide4.xml><?xml version="1.0" encoding="utf-8"?>
+<p:sld xmlns:a="http://schemas.openxmlformats.org/drawingml/2006/main" xmlns:r="http://schemas.openxmlformats.org/officeDocument/2006/relationships" xmlns:p="http://schemas.openxmlformats.org/presentationml/2006/main">
+  <p:cSld>
+    <p:spTree>
+      <p:nvGrpSpPr>
+        <p:cNvPr id="1" name=""/>
+        <p:cNvGrpSpPr/>
+        <p:nvPr/>
+      </p:nvGrpSpPr>
+      <p:grpSpPr>
+        <a:xfrm>
+          <a:off x="0" y="0"/>
+          <a:ext cx="0" cy="0"/>
+          <a:chOff x="0" y="0"/>
+          <a:chExt cx="0" cy="0"/>
+        </a:xfrm>
+      </p:grpSpPr>
+      <p:sp>
+        <p:nvSpPr>
+          <p:cNvPr id="2" name="Title 1"/>
+          <p:cNvSpPr>
+            <a:spLocks noGrp="1"/>
+          </p:cNvSpPr>
+          <p:nvPr>
+            <p:ph type="title"/>
+          </p:nvPr>
+        </p:nvSpPr>
+        <p:spPr/>
+        <p:txBody>
+          <a:bodyPr/>
+          <a:lstStyle/>
+          <a:p>
+            <a:endParaRPr lang="en-US"/>
+          </a:p>
+        </p:txBody>
+      </p:sp>
+      <p:sp>
+        <p:nvSpPr>
+          <p:cNvPr id="3" name="Content Placeholder 2"/>
+          <p:cNvSpPr>
+            <a:spLocks noGrp="1"/>
+          </p:cNvSpPr>
+          <p:nvPr>
+            <p:ph idx="1"/>
+          </p:nvPr>
+        </p:nvSpPr>
+        <p:spPr/>
+        <p:txBody>
+          <a:bodyPr/>
+          <a:lstStyle/>
+          <a:p>
+            <a:pPr marL="0" marR="0" lvl="0" indent="0" defTabSz="914400" eaLnBrk="1" fontAlgn="auto" latinLnBrk="0" hangingPunct="1">
+              <a:lnSpc>
+                <a:spcPct val="100000"/>
+              </a:lnSpc>
+              <a:spcBef>
+                <a:spcPts val="0"/>
+              </a:spcBef>
+              <a:spcAft>
+                <a:spcPts val="0"/>
+              </a:spcAft>
+              <a:buClrTx/>
+              <a:buSzTx/>
+              <a:buFontTx/>
+              <a:buNone/>
+              <a:tabLst/>
+              <a:defRPr/>
+            </a:pPr>
+            <a:r>
+              <a:rPr lang="en-US" dirty="0" smtClean="0"/>
+              <a:t>Solve exercise A-1 from day2excercises</a:t>
+            </a:r>
+          </a:p>
+          <a:p>
+            <a:pPr marL="0" marR="0" lvl="0" indent="0" defTabSz="914400" eaLnBrk="1" fontAlgn="auto" latinLnBrk="0" hangingPunct="1">
+              <a:lnSpc>
+                <a:spcPct val="100000"/>
+              </a:lnSpc>
+              <a:spcBef>
+                <a:spcPts val="0"/>
+              </a:spcBef>
+              <a:spcAft>
+                <a:spcPts val="0"/>
+              </a:spcAft>
+              <a:buClrTx/>
+              <a:buSzTx/>
+              <a:buFontTx/>
+              <a:buNone/>
+              <a:tabLst/>
+              <a:defRPr/>
+            </a:pPr>
+            <a:endParaRPr lang="en-US" dirty="0"/>
+          </a:p>
+        </p:txBody>
+      </p:sp>
+      <p:sp>
+        <p:nvSpPr>
+          <p:cNvPr id="4" name="Date Placeholder 3"/>
+          <p:cNvSpPr>
+            <a:spLocks noGrp="1"/>
+          </p:cNvSpPr>
+          <p:nvPr>
+            <p:ph type="dt" sz="half" idx="10"/>
+          </p:nvPr>
+        </p:nvSpPr>
+        <p:spPr/>
+        <p:txBody>
+          <a:bodyPr/>
+          <a:lstStyle/>
+          <a:p>
+            <a:r>
+              <a:rPr lang="da-DK" smtClean="0"/>
+              <a:t>hau</a:t>
+            </a:r>
+            <a:endParaRPr lang="da-DK"/>
+          </a:p>
+        </p:txBody>
+      </p:sp>
+      <p:sp>
+        <p:nvSpPr>
+          <p:cNvPr id="5" name="Footer Placeholder 4"/>
+          <p:cNvSpPr>
+            <a:spLocks noGrp="1"/>
+          </p:cNvSpPr>
+          <p:nvPr>
+            <p:ph type="ftr" sz="quarter" idx="11"/>
+          </p:nvPr>
+        </p:nvSpPr>
+        <p:spPr/>
+        <p:txBody>
+          <a:bodyPr/>
+          <a:lstStyle/>
+          <a:p>
+            <a:r>
+              <a:rPr lang="da-DK" smtClean="0"/>
+              <a:t>Recursion and Binary Trees</a:t>
+            </a:r>
+            <a:endParaRPr lang="da-DK"/>
+          </a:p>
+        </p:txBody>
+      </p:sp>
+      <p:sp>
+        <p:nvSpPr>
+          <p:cNvPr id="6" name="Slide Number Placeholder 5"/>
+          <p:cNvSpPr>
+            <a:spLocks noGrp="1"/>
+          </p:cNvSpPr>
+          <p:nvPr>
+            <p:ph type="sldNum" sz="quarter" idx="12"/>
+          </p:nvPr>
+        </p:nvSpPr>
+        <p:spPr/>
+        <p:txBody>
+          <a:bodyPr/>
+          <a:lstStyle/>
+          <a:p>
+            <a:fld id="{DAB94411-2297-4BD0-B197-35E3682289EC}" type="slidenum">
+              <a:rPr lang="da-DK" smtClean="0"/>
+              <a:t>4</a:t>
+            </a:fld>
+            <a:endParaRPr lang="da-DK"/>
+          </a:p>
+        </p:txBody>
+      </p:sp>
+    </p:spTree>
+    <p:extLst>
+      <p:ext uri="{BB962C8B-B14F-4D97-AF65-F5344CB8AC3E}">
+        <p14:creationId xmlns:p14="http://schemas.microsoft.com/office/powerpoint/2010/main" val="1762482543"/>
+      </p:ext>
+    </p:extLst>
+  </p:cSld>
+  <p:clrMapOvr>
+    <a:masterClrMapping/>
+  </p:clrMapOvr>
+</p:sld>
+</file>
+
+<file path=ppt/slides/slide5.xml><?xml version="1.0" encoding="utf-8"?>
+<p:sld xmlns:a="http://schemas.openxmlformats.org/drawingml/2006/main" xmlns:r="http://schemas.openxmlformats.org/officeDocument/2006/relationships" xmlns:p="http://schemas.openxmlformats.org/presentationml/2006/main">
+  <p:cSld>
+    <p:spTree>
+      <p:nvGrpSpPr>
+        <p:cNvPr id="1" name=""/>
+        <p:cNvGrpSpPr/>
+        <p:nvPr/>
+      </p:nvGrpSpPr>
+      <p:grpSpPr>
+        <a:xfrm>
+          <a:off x="0" y="0"/>
+          <a:ext cx="0" cy="0"/>
+          <a:chOff x="0" y="0"/>
+          <a:chExt cx="0" cy="0"/>
+        </a:xfrm>
+      </p:grpSpPr>
+      <p:sp>
+        <p:nvSpPr>
+          <p:cNvPr id="2" name="Title 1"/>
+          <p:cNvSpPr>
+            <a:spLocks noGrp="1"/>
+          </p:cNvSpPr>
+          <p:nvPr>
+            <p:ph type="title"/>
+          </p:nvPr>
+        </p:nvSpPr>
+        <p:spPr/>
+        <p:txBody>
+          <a:bodyPr>
+            <a:normAutofit fontScale="90000"/>
+          </a:bodyPr>
+          <a:lstStyle/>
+          <a:p>
+            <a:r>
+              <a:rPr lang="en-US" dirty="0" smtClean="0"/>
+              <a:t>Demo </a:t>
+            </a:r>
+            <a:r>
+              <a:rPr lang="en-US" dirty="0" err="1" smtClean="0"/>
+              <a:t>af</a:t>
+            </a:r>
+            <a:r>
+              <a:rPr lang="en-US" dirty="0" smtClean="0"/>
+              <a:t> </a:t>
+            </a:r>
+            <a:r>
+              <a:rPr lang="en-US" dirty="0" err="1" smtClean="0"/>
+              <a:t>bunnyEars</a:t>
+            </a:r>
+            <a:r>
+              <a:rPr lang="en-US" dirty="0" smtClean="0"/>
+              <a:t> on</a:t>
+            </a:r>
+            <a:br>
+              <a:rPr lang="en-US" dirty="0" smtClean="0"/>
+            </a:br>
+            <a:r>
+              <a:rPr lang="en-US" dirty="0" smtClean="0"/>
+              <a:t>http</a:t>
+            </a:r>
+            <a:r>
+              <a:rPr lang="en-US" dirty="0"/>
+              <a:t>://</a:t>
+            </a:r>
+            <a:r>
+              <a:rPr lang="en-US" dirty="0" err="1"/>
+              <a:t>pythontutor.com</a:t>
+            </a:r>
+            <a:r>
+              <a:rPr lang="en-US" dirty="0"/>
+              <a:t>/</a:t>
+            </a:r>
+            <a:r>
+              <a:rPr lang="en-US" dirty="0" err="1"/>
+              <a:t>java.html</a:t>
+            </a:r>
+            <a:endParaRPr lang="en-US" dirty="0"/>
+          </a:p>
+        </p:txBody>
+      </p:sp>
+      <p:sp>
+        <p:nvSpPr>
+          <p:cNvPr id="3" name="Content Placeholder 2"/>
+          <p:cNvSpPr>
+            <a:spLocks noGrp="1"/>
+          </p:cNvSpPr>
+          <p:nvPr>
+            <p:ph idx="1"/>
+          </p:nvPr>
+        </p:nvSpPr>
+        <p:spPr/>
+        <p:txBody>
+          <a:bodyPr>
+            <a:normAutofit/>
+          </a:bodyPr>
+          <a:lstStyle/>
+          <a:p>
+            <a:pPr marL="0" lvl="0" indent="0">
+              <a:spcBef>
+                <a:spcPts val="0"/>
+              </a:spcBef>
+              <a:buNone/>
+            </a:pPr>
+            <a:r>
+              <a:rPr lang="en-US" sz="2800" noProof="1" smtClean="0"/>
+              <a:t>public int bunnyEars(int bunnies) {  </a:t>
+            </a:r>
+          </a:p>
+          <a:p>
+            <a:pPr marL="0" lvl="0" indent="0">
+              <a:spcBef>
+                <a:spcPts val="0"/>
+              </a:spcBef>
+              <a:buNone/>
+            </a:pPr>
+            <a:r>
+              <a:rPr lang="en-US" sz="2800" noProof="1" smtClean="0"/>
+              <a:t>	int result = -1; // initial value diff from zero  </a:t>
+            </a:r>
+          </a:p>
+          <a:p>
+            <a:pPr marL="0" lvl="0" indent="0">
+              <a:spcBef>
+                <a:spcPts val="0"/>
+              </a:spcBef>
+              <a:buNone/>
+            </a:pPr>
+            <a:r>
+              <a:rPr lang="en-US" sz="2800" noProof="1" smtClean="0"/>
+              <a:t>	if ( bunnies == 0)     </a:t>
+            </a:r>
+          </a:p>
+          <a:p>
+            <a:pPr marL="0" lvl="0" indent="0">
+              <a:spcBef>
+                <a:spcPts val="0"/>
+              </a:spcBef>
+              <a:buNone/>
+            </a:pPr>
+            <a:r>
+              <a:rPr lang="en-US" sz="2800" noProof="1" smtClean="0"/>
+              <a:t>		result = 0;  </a:t>
+            </a:r>
+          </a:p>
+          <a:p>
+            <a:pPr marL="0" lvl="0" indent="0">
+              <a:spcBef>
+                <a:spcPts val="0"/>
+              </a:spcBef>
+              <a:buNone/>
+            </a:pPr>
+            <a:r>
+              <a:rPr lang="en-US" sz="2800" noProof="1" smtClean="0"/>
+              <a:t>	else {    </a:t>
+            </a:r>
+          </a:p>
+          <a:p>
+            <a:pPr marL="0" lvl="0" indent="0">
+              <a:spcBef>
+                <a:spcPts val="0"/>
+              </a:spcBef>
+              <a:buNone/>
+            </a:pPr>
+            <a:r>
+              <a:rPr lang="en-US" sz="2800" noProof="1" smtClean="0"/>
+              <a:t>		result = bunnyEars( bunnies - 1 );    </a:t>
+            </a:r>
+          </a:p>
+          <a:p>
+            <a:pPr marL="0" lvl="0" indent="0">
+              <a:spcBef>
+                <a:spcPts val="0"/>
+              </a:spcBef>
+              <a:buNone/>
+            </a:pPr>
+            <a:r>
+              <a:rPr lang="en-US" sz="2800" noProof="1" smtClean="0"/>
+              <a:t>		result += 2; </a:t>
+            </a:r>
+          </a:p>
+          <a:p>
+            <a:pPr marL="0" lvl="0" indent="0">
+              <a:spcBef>
+                <a:spcPts val="0"/>
+              </a:spcBef>
+              <a:buNone/>
+            </a:pPr>
+            <a:r>
+              <a:rPr lang="en-US" sz="2800" noProof="1" smtClean="0"/>
+              <a:t>	}  </a:t>
+            </a:r>
+          </a:p>
+          <a:p>
+            <a:pPr marL="0" lvl="0" indent="0">
+              <a:spcBef>
+                <a:spcPts val="0"/>
+              </a:spcBef>
+              <a:buNone/>
+            </a:pPr>
+            <a:r>
+              <a:rPr lang="en-US" sz="2800" noProof="1" smtClean="0"/>
+              <a:t>	return result;</a:t>
+            </a:r>
+          </a:p>
+          <a:p>
+            <a:pPr marL="0" lvl="0" indent="0">
+              <a:spcBef>
+                <a:spcPts val="0"/>
+              </a:spcBef>
+              <a:buNone/>
+            </a:pPr>
+            <a:r>
+              <a:rPr lang="en-US" sz="2800" noProof="1" smtClean="0"/>
+              <a:t>}</a:t>
+            </a:r>
+            <a:endParaRPr lang="en-US" sz="2800" noProof="1"/>
+          </a:p>
+        </p:txBody>
+      </p:sp>
+      <p:sp>
+        <p:nvSpPr>
+          <p:cNvPr id="4" name="Date Placeholder 3"/>
+          <p:cNvSpPr>
+            <a:spLocks noGrp="1"/>
+          </p:cNvSpPr>
+          <p:nvPr>
+            <p:ph type="dt" sz="half" idx="10"/>
+          </p:nvPr>
+        </p:nvSpPr>
+        <p:spPr/>
+        <p:txBody>
+          <a:bodyPr/>
+          <a:lstStyle/>
+          <a:p>
+            <a:r>
+              <a:rPr lang="da-DK" smtClean="0"/>
+              <a:t>hau</a:t>
+            </a:r>
+            <a:endParaRPr lang="da-DK"/>
+          </a:p>
+        </p:txBody>
+      </p:sp>
+      <p:sp>
+        <p:nvSpPr>
+          <p:cNvPr id="5" name="Footer Placeholder 4"/>
+          <p:cNvSpPr>
+            <a:spLocks noGrp="1"/>
+          </p:cNvSpPr>
+          <p:nvPr>
+            <p:ph type="ftr" sz="quarter" idx="11"/>
+          </p:nvPr>
+        </p:nvSpPr>
+        <p:spPr/>
+        <p:txBody>
+          <a:bodyPr/>
+          <a:lstStyle/>
+          <a:p>
+            <a:r>
+              <a:rPr lang="da-DK" smtClean="0"/>
+              <a:t>Recursion and Binary Trees</a:t>
+            </a:r>
+            <a:endParaRPr lang="da-DK"/>
+          </a:p>
+        </p:txBody>
+      </p:sp>
+      <p:sp>
+        <p:nvSpPr>
+          <p:cNvPr id="6" name="Slide Number Placeholder 5"/>
+          <p:cNvSpPr>
+            <a:spLocks noGrp="1"/>
+          </p:cNvSpPr>
+          <p:nvPr>
+            <p:ph type="sldNum" sz="quarter" idx="12"/>
+          </p:nvPr>
+        </p:nvSpPr>
+        <p:spPr/>
+        <p:txBody>
+          <a:bodyPr/>
+          <a:lstStyle/>
+          <a:p>
+            <a:fld id="{DAB94411-2297-4BD0-B197-35E3682289EC}" type="slidenum">
+              <a:rPr lang="da-DK" smtClean="0"/>
+              <a:t>5</a:t>
+            </a:fld>
+            <a:endParaRPr lang="da-DK"/>
+          </a:p>
+        </p:txBody>
+      </p:sp>
+    </p:spTree>
+    <p:extLst>
+      <p:ext uri="{BB962C8B-B14F-4D97-AF65-F5344CB8AC3E}">
+        <p14:creationId xmlns:p14="http://schemas.microsoft.com/office/powerpoint/2010/main" val="294311946"/>
+      </p:ext>
+    </p:extLst>
+  </p:cSld>
+  <p:clrMapOvr>
+    <a:masterClrMapping/>
+  </p:clrMapOvr>
+</p:sld>
+</file>
+
+<file path=ppt/slides/slide6.xml><?xml version="1.0" encoding="utf-8"?>
+<p:sld xmlns:a="http://schemas.openxmlformats.org/drawingml/2006/main" xmlns:r="http://schemas.openxmlformats.org/officeDocument/2006/relationships" xmlns:p="http://schemas.openxmlformats.org/presentationml/2006/main">
+  <p:cSld>
+    <p:spTree>
+      <p:nvGrpSpPr>
+        <p:cNvPr id="1" name=""/>
+        <p:cNvGrpSpPr/>
+        <p:nvPr/>
+      </p:nvGrpSpPr>
+      <p:grpSpPr>
+        <a:xfrm>
+          <a:off x="0" y="0"/>
+          <a:ext cx="0" cy="0"/>
+          <a:chOff x="0" y="0"/>
+          <a:chExt cx="0" cy="0"/>
+        </a:xfrm>
+      </p:grpSpPr>
+      <p:sp>
+        <p:nvSpPr>
+          <p:cNvPr id="2" name="Title 1"/>
+          <p:cNvSpPr>
+            <a:spLocks noGrp="1"/>
+          </p:cNvSpPr>
+          <p:nvPr>
+            <p:ph type="title"/>
+          </p:nvPr>
+        </p:nvSpPr>
+        <p:spPr/>
+        <p:txBody>
+          <a:bodyPr>
+            <a:normAutofit/>
+          </a:bodyPr>
+          <a:lstStyle/>
+          <a:p>
+            <a:r>
+              <a:rPr lang="da-DK" dirty="0" err="1" smtClean="0"/>
+              <a:t>Binary</a:t>
+            </a:r>
+            <a:r>
+              <a:rPr lang="da-DK" dirty="0" smtClean="0"/>
+              <a:t> Search </a:t>
+            </a:r>
+            <a:r>
+              <a:rPr lang="da-DK" dirty="0" err="1" smtClean="0"/>
+              <a:t>Tree</a:t>
+            </a:r>
+            <a:endParaRPr lang="da-DK" dirty="0"/>
+          </a:p>
+        </p:txBody>
+      </p:sp>
+      <p:sp>
+        <p:nvSpPr>
+          <p:cNvPr id="3" name="Content Placeholder 2"/>
+          <p:cNvSpPr>
+            <a:spLocks noGrp="1"/>
+          </p:cNvSpPr>
+          <p:nvPr>
+            <p:ph idx="1"/>
+          </p:nvPr>
+        </p:nvSpPr>
+        <p:spPr/>
+        <p:txBody>
+          <a:bodyPr/>
+          <a:lstStyle/>
+          <a:p>
+            <a:r>
+              <a:rPr lang="da-DK" dirty="0" smtClean="0"/>
+              <a:t>Data </a:t>
+            </a:r>
+            <a:r>
+              <a:rPr lang="da-DK" dirty="0" err="1" smtClean="0"/>
+              <a:t>Structure</a:t>
+            </a:r>
+            <a:r>
+              <a:rPr lang="da-DK" dirty="0" smtClean="0"/>
+              <a:t> and Collection</a:t>
+            </a:r>
+          </a:p>
+          <a:p>
+            <a:r>
+              <a:rPr lang="da-DK" dirty="0" err="1" smtClean="0"/>
+              <a:t>Binary</a:t>
+            </a:r>
+            <a:r>
+              <a:rPr lang="da-DK" dirty="0" smtClean="0"/>
+              <a:t> </a:t>
+            </a:r>
+            <a:r>
+              <a:rPr lang="da-DK" dirty="0" err="1" smtClean="0"/>
+              <a:t>tree</a:t>
+            </a:r>
+            <a:r>
+              <a:rPr lang="da-DK" dirty="0" smtClean="0"/>
+              <a:t> =&gt;  </a:t>
+            </a:r>
+            <a:r>
+              <a:rPr lang="da-DK" dirty="0" err="1" smtClean="0"/>
+              <a:t>Binary</a:t>
+            </a:r>
+            <a:r>
+              <a:rPr lang="da-DK" dirty="0" smtClean="0"/>
+              <a:t> Search </a:t>
+            </a:r>
+            <a:r>
+              <a:rPr lang="da-DK" dirty="0" err="1" smtClean="0"/>
+              <a:t>Tree</a:t>
+            </a:r>
+            <a:endParaRPr lang="da-DK" dirty="0" smtClean="0"/>
+          </a:p>
+          <a:p>
+            <a:r>
+              <a:rPr lang="da-DK" dirty="0" smtClean="0"/>
+              <a:t>Operations</a:t>
+            </a:r>
+          </a:p>
+          <a:p>
+            <a:r>
+              <a:rPr lang="da-DK" dirty="0" smtClean="0"/>
+              <a:t>Good </a:t>
+            </a:r>
+            <a:r>
+              <a:rPr lang="da-DK" dirty="0" err="1" smtClean="0"/>
+              <a:t>qualities</a:t>
+            </a:r>
+            <a:r>
+              <a:rPr lang="da-DK" dirty="0" smtClean="0"/>
+              <a:t> </a:t>
+            </a:r>
+          </a:p>
+          <a:p>
+            <a:pPr lvl="1"/>
+            <a:r>
+              <a:rPr lang="da-DK" dirty="0" err="1" smtClean="0"/>
+              <a:t>insert</a:t>
+            </a:r>
+            <a:r>
+              <a:rPr lang="da-DK" dirty="0" smtClean="0"/>
+              <a:t> and </a:t>
+            </a:r>
+            <a:r>
+              <a:rPr lang="da-DK" dirty="0" err="1" smtClean="0"/>
+              <a:t>search</a:t>
+            </a:r>
+            <a:endParaRPr lang="da-DK" dirty="0" smtClean="0"/>
+          </a:p>
+          <a:p>
+            <a:pPr lvl="1"/>
+            <a:r>
+              <a:rPr lang="da-DK" dirty="0" err="1" smtClean="0"/>
+              <a:t>Traverse</a:t>
+            </a:r>
+            <a:r>
+              <a:rPr lang="da-DK" dirty="0" smtClean="0"/>
+              <a:t> in </a:t>
+            </a:r>
+            <a:r>
+              <a:rPr lang="da-DK" dirty="0" err="1" smtClean="0"/>
+              <a:t>sorted</a:t>
+            </a:r>
+            <a:r>
+              <a:rPr lang="da-DK" dirty="0" smtClean="0"/>
+              <a:t> </a:t>
+            </a:r>
+            <a:r>
+              <a:rPr lang="da-DK" dirty="0" err="1" smtClean="0"/>
+              <a:t>order</a:t>
+            </a:r>
+            <a:endParaRPr lang="da-DK" dirty="0" smtClean="0"/>
+          </a:p>
+          <a:p>
+            <a:pPr lvl="1"/>
+            <a:endParaRPr lang="da-DK" dirty="0" smtClean="0"/>
+          </a:p>
+          <a:p>
+            <a:endParaRPr lang="da-DK" dirty="0"/>
+          </a:p>
+        </p:txBody>
+      </p:sp>
+      <p:sp>
+        <p:nvSpPr>
+          <p:cNvPr id="4" name="Footer Placeholder 3"/>
+          <p:cNvSpPr>
+            <a:spLocks noGrp="1"/>
+          </p:cNvSpPr>
+          <p:nvPr>
+            <p:ph type="ftr" sz="quarter" idx="11"/>
+          </p:nvPr>
+        </p:nvSpPr>
+        <p:spPr/>
+        <p:txBody>
+          <a:bodyPr/>
+          <a:lstStyle/>
+          <a:p>
+            <a:r>
+              <a:rPr lang="da-DK" smtClean="0"/>
+              <a:t>Recursion and Binary Trees</a:t>
+            </a:r>
+            <a:endParaRPr lang="da-DK"/>
+          </a:p>
+        </p:txBody>
+      </p:sp>
+      <p:sp>
+        <p:nvSpPr>
+          <p:cNvPr id="5" name="Date Placeholder 4"/>
+          <p:cNvSpPr>
+            <a:spLocks noGrp="1"/>
+          </p:cNvSpPr>
+          <p:nvPr>
+            <p:ph type="dt" sz="half" idx="10"/>
+          </p:nvPr>
+        </p:nvSpPr>
+        <p:spPr/>
+        <p:txBody>
+          <a:bodyPr/>
+          <a:lstStyle/>
+          <a:p>
+            <a:r>
+              <a:rPr lang="da-DK" smtClean="0"/>
+              <a:t>hau</a:t>
+            </a:r>
+            <a:endParaRPr lang="da-DK"/>
+          </a:p>
+        </p:txBody>
+      </p:sp>
+      <p:sp>
+        <p:nvSpPr>
+          <p:cNvPr id="6" name="Slide Number Placeholder 5"/>
+          <p:cNvSpPr>
+            <a:spLocks noGrp="1"/>
+          </p:cNvSpPr>
+          <p:nvPr>
+            <p:ph type="sldNum" sz="quarter" idx="12"/>
+          </p:nvPr>
+        </p:nvSpPr>
+        <p:spPr/>
+        <p:txBody>
+          <a:bodyPr/>
+          <a:lstStyle/>
+          <a:p>
+            <a:fld id="{DAB94411-2297-4BD0-B197-35E3682289EC}" type="slidenum">
+              <a:rPr lang="da-DK" smtClean="0"/>
+              <a:t>6</a:t>
+            </a:fld>
+            <a:endParaRPr lang="da-DK"/>
+          </a:p>
+        </p:txBody>
+      </p:sp>
+    </p:spTree>
+    <p:extLst>
+      <p:ext uri="{BB962C8B-B14F-4D97-AF65-F5344CB8AC3E}">
+        <p14:creationId xmlns:p14="http://schemas.microsoft.com/office/powerpoint/2010/main" val="4265776616"/>
+      </p:ext>
+    </p:extLst>
+  </p:cSld>
+  <p:clrMapOvr>
+    <a:masterClrMapping/>
+  </p:clrMapOvr>
+  <p:timing>
+    <p:tnLst>
+      <p:par>
+        <p:cTn id="1" dur="indefinite" restart="never" nodeType="tmRoot"/>
+      </p:par>
+    </p:tnLst>
+  </p:timing>
+</p:sld>
+</file>
+
+<file path=ppt/slides/slide7.xml><?xml version="1.0" encoding="utf-8"?>
+<p:sld xmlns:a="http://schemas.openxmlformats.org/drawingml/2006/main" xmlns:r="http://schemas.openxmlformats.org/officeDocument/2006/relationships" xmlns:p="http://schemas.openxmlformats.org/presentationml/2006/main">
+  <p:cSld>
+    <p:spTree>
+      <p:nvGrpSpPr>
+        <p:cNvPr id="1" name=""/>
+        <p:cNvGrpSpPr/>
+        <p:nvPr/>
+      </p:nvGrpSpPr>
+      <p:grpSpPr>
+        <a:xfrm>
+          <a:off x="0" y="0"/>
+          <a:ext cx="0" cy="0"/>
+          <a:chOff x="0" y="0"/>
+          <a:chExt cx="0" cy="0"/>
+        </a:xfrm>
+      </p:grpSpPr>
+      <p:sp>
+        <p:nvSpPr>
+          <p:cNvPr id="2" name="Title 1"/>
+          <p:cNvSpPr>
+            <a:spLocks noGrp="1"/>
+          </p:cNvSpPr>
+          <p:nvPr>
+            <p:ph type="title"/>
+          </p:nvPr>
+        </p:nvSpPr>
+        <p:spPr/>
+        <p:txBody>
+          <a:bodyPr/>
+          <a:lstStyle/>
+          <a:p>
+            <a:r>
+              <a:rPr lang="en-US" dirty="0" smtClean="0"/>
+              <a:t>Exercises</a:t>
+            </a:r>
+            <a:endParaRPr lang="en-US" dirty="0"/>
+          </a:p>
+        </p:txBody>
+      </p:sp>
+      <p:sp>
+        <p:nvSpPr>
+          <p:cNvPr id="3" name="Content Placeholder 2"/>
+          <p:cNvSpPr>
+            <a:spLocks noGrp="1"/>
+          </p:cNvSpPr>
+          <p:nvPr>
+            <p:ph idx="1"/>
+          </p:nvPr>
+        </p:nvSpPr>
+        <p:spPr/>
+        <p:txBody>
+          <a:bodyPr/>
+          <a:lstStyle/>
+          <a:p>
+            <a:r>
+              <a:rPr lang="en-US" dirty="0" smtClean="0"/>
+              <a:t>Exercises B.1 – B-5</a:t>
+            </a:r>
+            <a:endParaRPr lang="en-US" dirty="0"/>
+          </a:p>
+        </p:txBody>
+      </p:sp>
+      <p:sp>
+        <p:nvSpPr>
+          <p:cNvPr id="4" name="Date Placeholder 3"/>
+          <p:cNvSpPr>
+            <a:spLocks noGrp="1"/>
+          </p:cNvSpPr>
+          <p:nvPr>
+            <p:ph type="dt" sz="half" idx="10"/>
+          </p:nvPr>
+        </p:nvSpPr>
+        <p:spPr/>
+        <p:txBody>
+          <a:bodyPr/>
+          <a:lstStyle/>
+          <a:p>
+            <a:r>
+              <a:rPr lang="da-DK" smtClean="0"/>
+              <a:t>hau</a:t>
+            </a:r>
+            <a:endParaRPr lang="da-DK"/>
+          </a:p>
+        </p:txBody>
+      </p:sp>
+      <p:sp>
+        <p:nvSpPr>
+          <p:cNvPr id="5" name="Footer Placeholder 4"/>
+          <p:cNvSpPr>
+            <a:spLocks noGrp="1"/>
+          </p:cNvSpPr>
+          <p:nvPr>
+            <p:ph type="ftr" sz="quarter" idx="11"/>
+          </p:nvPr>
+        </p:nvSpPr>
+        <p:spPr/>
+        <p:txBody>
+          <a:bodyPr/>
+          <a:lstStyle/>
+          <a:p>
+            <a:r>
+              <a:rPr lang="da-DK" smtClean="0"/>
+              <a:t>Recursion and Binary Trees</a:t>
+            </a:r>
+            <a:endParaRPr lang="da-DK"/>
+          </a:p>
+        </p:txBody>
+      </p:sp>
+      <p:sp>
+        <p:nvSpPr>
+          <p:cNvPr id="6" name="Slide Number Placeholder 5"/>
+          <p:cNvSpPr>
+            <a:spLocks noGrp="1"/>
+          </p:cNvSpPr>
+          <p:nvPr>
+            <p:ph type="sldNum" sz="quarter" idx="12"/>
+          </p:nvPr>
+        </p:nvSpPr>
+        <p:spPr/>
+        <p:txBody>
+          <a:bodyPr/>
+          <a:lstStyle/>
+          <a:p>
+            <a:fld id="{DAB94411-2297-4BD0-B197-35E3682289EC}" type="slidenum">
+              <a:rPr lang="da-DK" smtClean="0"/>
+              <a:t>7</a:t>
+            </a:fld>
+            <a:endParaRPr lang="da-DK"/>
+          </a:p>
+        </p:txBody>
+      </p:sp>
+    </p:spTree>
+    <p:extLst>
+      <p:ext uri="{BB962C8B-B14F-4D97-AF65-F5344CB8AC3E}">
+        <p14:creationId xmlns:p14="http://schemas.microsoft.com/office/powerpoint/2010/main" val="1762496475"/>
+      </p:ext>
+    </p:extLst>
+  </p:cSld>
+  <p:clrMapOvr>
+    <a:masterClrMapping/>
+  </p:clrMapOvr>
+</p:sld>
+</file>
+
 <file path=ppt/slides/slide8.xml><?xml version="1.0" encoding="utf-8"?>
 <p:sld xmlns:a="http://schemas.openxmlformats.org/drawingml/2006/main" xmlns:r="http://schemas.openxmlformats.org/officeDocument/2006/relationships" xmlns:p="http://schemas.openxmlformats.org/presentationml/2006/main">
   <p:cSld>
@@ -7237,24 +7875,14 @@
         </p:nvSpPr>
         <p:spPr/>
         <p:txBody>
-          <a:bodyPr>
-            <a:normAutofit/>
-          </a:bodyPr>
-          <a:lstStyle/>
-          <a:p>
-            <a:r>
-              <a:rPr lang="da-DK" dirty="0"/>
-              <a:t>”</a:t>
-            </a:r>
-            <a:r>
-              <a:rPr lang="da-DK" dirty="0" err="1"/>
-              <a:t>Treesort</a:t>
-            </a:r>
-            <a:r>
-              <a:rPr lang="da-DK" dirty="0" smtClean="0"/>
-              <a:t>”</a:t>
-            </a:r>
-            <a:endParaRPr lang="da-DK" dirty="0"/>
+          <a:bodyPr/>
+          <a:lstStyle/>
+          <a:p>
+            <a:r>
+              <a:rPr lang="en-US" dirty="0" smtClean="0"/>
+              <a:t>Traversals</a:t>
+            </a:r>
+            <a:endParaRPr lang="en-US" dirty="0"/>
           </a:p>
         </p:txBody>
       </p:sp>
@@ -7273,191 +7901,40 @@
           <a:bodyPr/>
           <a:lstStyle/>
           <a:p>
-            <a:pPr defTabSz="762000">
-              <a:lnSpc>
-                <a:spcPct val="90000"/>
-              </a:lnSpc>
-            </a:pPr>
-            <a:r>
-              <a:rPr lang="da-DK" dirty="0" smtClean="0"/>
-              <a:t>Sort an array: </a:t>
-            </a:r>
-          </a:p>
-          <a:p>
-            <a:pPr lvl="1" defTabSz="762000">
-              <a:lnSpc>
-                <a:spcPct val="90000"/>
-              </a:lnSpc>
-            </a:pPr>
-            <a:r>
-              <a:rPr lang="da-DK" dirty="0" err="1" smtClean="0"/>
-              <a:t>insert</a:t>
-            </a:r>
-            <a:r>
-              <a:rPr lang="da-DK" dirty="0" smtClean="0"/>
-              <a:t> all elements </a:t>
-            </a:r>
-            <a:r>
-              <a:rPr lang="da-DK" dirty="0" err="1" smtClean="0"/>
-              <a:t>into</a:t>
-            </a:r>
-            <a:r>
-              <a:rPr lang="da-DK" dirty="0" smtClean="0"/>
-              <a:t> a </a:t>
-            </a:r>
-            <a:r>
-              <a:rPr lang="da-DK" dirty="0" err="1" smtClean="0"/>
-              <a:t>Binary</a:t>
-            </a:r>
-            <a:r>
-              <a:rPr lang="da-DK" dirty="0" smtClean="0"/>
-              <a:t> Search </a:t>
-            </a:r>
-            <a:r>
-              <a:rPr lang="da-DK" dirty="0" err="1" smtClean="0"/>
-              <a:t>Tree</a:t>
-            </a:r>
-            <a:endParaRPr lang="da-DK" dirty="0"/>
-          </a:p>
-          <a:p>
-            <a:pPr lvl="1" defTabSz="762000">
-              <a:lnSpc>
-                <a:spcPct val="90000"/>
-              </a:lnSpc>
-            </a:pPr>
-            <a:r>
-              <a:rPr lang="da-DK" dirty="0" err="1" smtClean="0"/>
-              <a:t>Traverse</a:t>
-            </a:r>
-            <a:r>
-              <a:rPr lang="da-DK" dirty="0" smtClean="0"/>
-              <a:t> the </a:t>
-            </a:r>
-            <a:r>
-              <a:rPr lang="da-DK" dirty="0" err="1" smtClean="0"/>
-              <a:t>tree</a:t>
-            </a:r>
-            <a:r>
-              <a:rPr lang="da-DK" dirty="0" smtClean="0"/>
-              <a:t/>
-            </a:r>
-            <a:br>
-              <a:rPr lang="da-DK" dirty="0" smtClean="0"/>
-            </a:br>
-            <a:endParaRPr lang="da-DK" dirty="0"/>
-          </a:p>
-          <a:p>
-            <a:pPr defTabSz="762000">
-              <a:lnSpc>
-                <a:spcPct val="90000"/>
-              </a:lnSpc>
-            </a:pPr>
-            <a:r>
-              <a:rPr lang="da-DK" dirty="0" err="1" smtClean="0"/>
-              <a:t>Efficiency</a:t>
-            </a:r>
-            <a:endParaRPr lang="da-DK" dirty="0" smtClean="0"/>
-          </a:p>
-          <a:p>
-            <a:pPr lvl="1" defTabSz="762000">
-              <a:lnSpc>
-                <a:spcPct val="90000"/>
-              </a:lnSpc>
-            </a:pPr>
-            <a:r>
-              <a:rPr lang="da-DK" dirty="0" smtClean="0"/>
-              <a:t>Average </a:t>
-            </a:r>
-            <a:r>
-              <a:rPr lang="da-DK" dirty="0"/>
-              <a:t>	O(n*log n) 	</a:t>
-            </a:r>
-          </a:p>
-          <a:p>
-            <a:pPr lvl="1" defTabSz="762000">
-              <a:lnSpc>
-                <a:spcPct val="90000"/>
-              </a:lnSpc>
-            </a:pPr>
-            <a:r>
-              <a:rPr lang="da-DK" sz="2400" dirty="0" err="1"/>
-              <a:t>Worst</a:t>
-            </a:r>
-            <a:r>
-              <a:rPr lang="da-DK" sz="2400" dirty="0"/>
-              <a:t>	O(n</a:t>
-            </a:r>
-            <a:r>
-              <a:rPr lang="da-DK" sz="2400" baseline="30000" dirty="0"/>
-              <a:t>2</a:t>
-            </a:r>
-            <a:r>
-              <a:rPr lang="da-DK" sz="2400" dirty="0"/>
-              <a:t>)	</a:t>
-            </a:r>
-          </a:p>
-          <a:p>
-            <a:pPr lvl="1" defTabSz="762000">
-              <a:lnSpc>
-                <a:spcPct val="90000"/>
-              </a:lnSpc>
-            </a:pPr>
-            <a:r>
-              <a:rPr lang="da-DK" sz="2400" dirty="0" err="1" smtClean="0"/>
-              <a:t>Principle</a:t>
-            </a:r>
-            <a:r>
-              <a:rPr lang="da-DK" sz="2400" dirty="0" smtClean="0"/>
-              <a:t> ?</a:t>
-            </a:r>
-          </a:p>
-          <a:p>
-            <a:pPr lvl="2" defTabSz="762000">
-              <a:lnSpc>
-                <a:spcPct val="90000"/>
-              </a:lnSpc>
-            </a:pPr>
-            <a:r>
-              <a:rPr lang="da-DK" sz="2000" dirty="0" smtClean="0"/>
-              <a:t>n </a:t>
-            </a:r>
-            <a:r>
-              <a:rPr lang="da-DK" sz="2000" dirty="0" err="1" smtClean="0"/>
-              <a:t>inserts</a:t>
-            </a:r>
-            <a:r>
-              <a:rPr lang="da-DK" sz="2000" dirty="0" smtClean="0"/>
-              <a:t>  </a:t>
-            </a:r>
-            <a:r>
-              <a:rPr lang="da-DK" sz="2000" dirty="0" err="1" smtClean="0"/>
-              <a:t>each</a:t>
-            </a:r>
-            <a:r>
-              <a:rPr lang="da-DK" sz="2000" dirty="0" smtClean="0"/>
-              <a:t> of O(log n)   =&gt; O(n log n)</a:t>
-            </a:r>
-          </a:p>
-          <a:p>
-            <a:pPr lvl="2" defTabSz="762000">
-              <a:lnSpc>
-                <a:spcPct val="90000"/>
-              </a:lnSpc>
-            </a:pPr>
-            <a:r>
-              <a:rPr lang="da-DK" sz="2000" dirty="0" smtClean="0"/>
-              <a:t>Traversal  O(n)</a:t>
-            </a:r>
-            <a:endParaRPr lang="da-DK" sz="2000" dirty="0"/>
-          </a:p>
-          <a:p>
-            <a:endParaRPr lang="da-DK" dirty="0"/>
-          </a:p>
-        </p:txBody>
-      </p:sp>
-      <p:sp>
-        <p:nvSpPr>
-          <p:cNvPr id="4" name="Footer Placeholder 3"/>
+            <a:r>
+              <a:rPr lang="en-US" dirty="0" smtClean="0"/>
+              <a:t>Exercise B6 &amp; B7</a:t>
+            </a:r>
+            <a:endParaRPr lang="en-US" dirty="0"/>
+          </a:p>
+        </p:txBody>
+      </p:sp>
+      <p:sp>
+        <p:nvSpPr>
+          <p:cNvPr id="4" name="Date Placeholder 3"/>
+          <p:cNvSpPr>
+            <a:spLocks noGrp="1"/>
+          </p:cNvSpPr>
+          <p:nvPr>
+            <p:ph type="dt" sz="half" idx="10"/>
+          </p:nvPr>
+        </p:nvSpPr>
+        <p:spPr/>
+        <p:txBody>
+          <a:bodyPr/>
+          <a:lstStyle/>
+          <a:p>
+            <a:r>
+              <a:rPr lang="da-DK" smtClean="0"/>
+              <a:t>hau</a:t>
+            </a:r>
+            <a:endParaRPr lang="da-DK"/>
+          </a:p>
+        </p:txBody>
+      </p:sp>
+      <p:sp>
+        <p:nvSpPr>
+          <p:cNvPr id="5" name="Footer Placeholder 4"/>
           <p:cNvSpPr>
             <a:spLocks noGrp="1"/>
           </p:cNvSpPr>
@@ -7473,29 +7950,6 @@
             <a:r>
               <a:rPr lang="da-DK" smtClean="0"/>
               <a:t>Recursion and Binary Trees</a:t>
-            </a:r>
-            <a:endParaRPr lang="da-DK"/>
-          </a:p>
-        </p:txBody>
-      </p:sp>
-      <p:sp>
-        <p:nvSpPr>
-          <p:cNvPr id="5" name="Date Placeholder 4"/>
-          <p:cNvSpPr>
-            <a:spLocks noGrp="1"/>
-          </p:cNvSpPr>
-          <p:nvPr>
-            <p:ph type="dt" sz="half" idx="10"/>
-          </p:nvPr>
-        </p:nvSpPr>
-        <p:spPr/>
-        <p:txBody>
-          <a:bodyPr/>
-          <a:lstStyle/>
-          <a:p>
-            <a:r>
-              <a:rPr lang="da-DK" smtClean="0"/>
-              <a:t>hau</a:t>
             </a:r>
             <a:endParaRPr lang="da-DK"/>
           </a:p>
@@ -7527,13 +7981,511 @@
     </p:spTree>
     <p:extLst>
       <p:ext uri="{BB962C8B-B14F-4D97-AF65-F5344CB8AC3E}">
-        <p14:creationId xmlns:p14="http://schemas.microsoft.com/office/powerpoint/2010/main" val="216185556"/>
+        <p14:creationId xmlns:p14="http://schemas.microsoft.com/office/powerpoint/2010/main" val="881164502"/>
       </p:ext>
     </p:extLst>
   </p:cSld>
   <p:clrMapOvr>
     <a:masterClrMapping/>
   </p:clrMapOvr>
+</p:sld>
+</file>
+
+<file path=ppt/slides/slide9.xml><?xml version="1.0" encoding="utf-8"?>
+<p:sld xmlns:a="http://schemas.openxmlformats.org/drawingml/2006/main" xmlns:r="http://schemas.openxmlformats.org/officeDocument/2006/relationships" xmlns:p="http://schemas.openxmlformats.org/presentationml/2006/main">
+  <p:cSld>
+    <p:spTree>
+      <p:nvGrpSpPr>
+        <p:cNvPr id="1" name=""/>
+        <p:cNvGrpSpPr/>
+        <p:nvPr/>
+      </p:nvGrpSpPr>
+      <p:grpSpPr>
+        <a:xfrm>
+          <a:off x="0" y="0"/>
+          <a:ext cx="0" cy="0"/>
+          <a:chOff x="0" y="0"/>
+          <a:chExt cx="0" cy="0"/>
+        </a:xfrm>
+      </p:grpSpPr>
+      <p:sp>
+        <p:nvSpPr>
+          <p:cNvPr id="5" name="Footer Placeholder 4"/>
+          <p:cNvSpPr>
+            <a:spLocks noGrp="1"/>
+          </p:cNvSpPr>
+          <p:nvPr>
+            <p:ph type="ftr" sz="quarter" idx="11"/>
+          </p:nvPr>
+        </p:nvSpPr>
+        <p:spPr/>
+        <p:txBody>
+          <a:bodyPr/>
+          <a:lstStyle/>
+          <a:p>
+            <a:r>
+              <a:rPr lang="da-DK" smtClean="0"/>
+              <a:t>Recursion and Binary Trees</a:t>
+            </a:r>
+            <a:endParaRPr lang="da-DK"/>
+          </a:p>
+        </p:txBody>
+      </p:sp>
+      <p:sp>
+        <p:nvSpPr>
+          <p:cNvPr id="215042" name="Rectangle 2"/>
+          <p:cNvSpPr>
+            <a:spLocks noGrp="1" noChangeArrowheads="1"/>
+          </p:cNvSpPr>
+          <p:nvPr>
+            <p:ph type="title"/>
+          </p:nvPr>
+        </p:nvSpPr>
+        <p:spPr>
+          <a:xfrm>
+            <a:off x="395288" y="188640"/>
+            <a:ext cx="8458200" cy="1262335"/>
+          </a:xfrm>
+          <a:solidFill>
+            <a:schemeClr val="bg1"/>
+          </a:solidFill>
+          <a:ln cap="flat" algn="ctr">
+            <a:solidFill>
+              <a:schemeClr val="tx1"/>
+            </a:solidFill>
+            <a:miter lim="800000"/>
+            <a:headEnd/>
+            <a:tailEnd/>
+          </a:ln>
+        </p:spPr>
+        <p:txBody>
+          <a:bodyPr>
+            <a:normAutofit fontScale="90000"/>
+          </a:bodyPr>
+          <a:lstStyle/>
+          <a:p>
+            <a:pPr defTabSz="762000"/>
+            <a:r>
+              <a:rPr lang="da-DK" dirty="0" err="1" smtClean="0"/>
+              <a:t>Recursive</a:t>
+            </a:r>
+            <a:r>
+              <a:rPr lang="da-DK" dirty="0" smtClean="0"/>
+              <a:t> Search </a:t>
+            </a:r>
+            <a:r>
+              <a:rPr lang="da-DK" dirty="0" err="1" smtClean="0"/>
+              <a:t>algorithm</a:t>
+            </a:r>
+            <a:r>
+              <a:rPr lang="da-DK" dirty="0" smtClean="0"/>
+              <a:t> </a:t>
+            </a:r>
+            <a:br>
+              <a:rPr lang="da-DK" dirty="0" smtClean="0"/>
+            </a:br>
+            <a:r>
+              <a:rPr lang="da-DK" dirty="0" smtClean="0"/>
+              <a:t>- for </a:t>
+            </a:r>
+            <a:r>
+              <a:rPr lang="da-DK" dirty="0" err="1" smtClean="0"/>
+              <a:t>binary</a:t>
+            </a:r>
+            <a:r>
+              <a:rPr lang="da-DK" dirty="0" smtClean="0"/>
+              <a:t> </a:t>
+            </a:r>
+            <a:r>
+              <a:rPr lang="da-DK" dirty="0" err="1" smtClean="0"/>
+              <a:t>search</a:t>
+            </a:r>
+            <a:r>
+              <a:rPr lang="da-DK" dirty="0" smtClean="0"/>
+              <a:t> </a:t>
+            </a:r>
+            <a:r>
+              <a:rPr lang="da-DK" dirty="0" err="1" smtClean="0"/>
+              <a:t>tree</a:t>
+            </a:r>
+            <a:endParaRPr lang="da-DK" sz="2800" dirty="0"/>
+          </a:p>
+        </p:txBody>
+      </p:sp>
+      <p:sp>
+        <p:nvSpPr>
+          <p:cNvPr id="215043" name="Rectangle 3"/>
+          <p:cNvSpPr>
+            <a:spLocks noGrp="1" noChangeArrowheads="1"/>
+          </p:cNvSpPr>
+          <p:nvPr>
+            <p:ph type="body" idx="1"/>
+          </p:nvPr>
+        </p:nvSpPr>
+        <p:spPr>
+          <a:xfrm>
+            <a:off x="468313" y="1557338"/>
+            <a:ext cx="7772400" cy="4463950"/>
+          </a:xfrm>
+        </p:spPr>
+        <p:txBody>
+          <a:bodyPr>
+            <a:normAutofit fontScale="92500" lnSpcReduction="10000"/>
+          </a:bodyPr>
+          <a:lstStyle/>
+          <a:p>
+            <a:pPr defTabSz="762000">
+              <a:lnSpc>
+                <a:spcPct val="90000"/>
+              </a:lnSpc>
+              <a:buFontTx/>
+              <a:buNone/>
+            </a:pPr>
+            <a:r>
+              <a:rPr lang="da-DK" dirty="0" smtClean="0"/>
+              <a:t>If the </a:t>
+            </a:r>
+            <a:r>
+              <a:rPr lang="da-DK" dirty="0" err="1" smtClean="0"/>
+              <a:t>tree</a:t>
+            </a:r>
+            <a:r>
+              <a:rPr lang="da-DK" dirty="0" smtClean="0"/>
+              <a:t> is </a:t>
+            </a:r>
+            <a:r>
+              <a:rPr lang="da-DK" dirty="0" err="1" smtClean="0"/>
+              <a:t>empty</a:t>
+            </a:r>
+            <a:r>
+              <a:rPr lang="da-DK" dirty="0" smtClean="0"/>
+              <a:t> </a:t>
+            </a:r>
+            <a:endParaRPr lang="da-DK" dirty="0"/>
+          </a:p>
+          <a:p>
+            <a:pPr lvl="1" defTabSz="762000">
+              <a:lnSpc>
+                <a:spcPct val="90000"/>
+              </a:lnSpc>
+              <a:buFontTx/>
+              <a:buNone/>
+            </a:pPr>
+            <a:r>
+              <a:rPr lang="da-DK" sz="3200" dirty="0"/>
+              <a:t>element </a:t>
+            </a:r>
+            <a:r>
+              <a:rPr lang="da-DK" sz="3200" dirty="0" smtClean="0"/>
+              <a:t>is not in the </a:t>
+            </a:r>
+            <a:r>
+              <a:rPr lang="da-DK" sz="3200" dirty="0" err="1" smtClean="0"/>
+              <a:t>tree</a:t>
+            </a:r>
+            <a:endParaRPr lang="da-DK" sz="3200" dirty="0" smtClean="0"/>
+          </a:p>
+          <a:p>
+            <a:pPr defTabSz="762000">
+              <a:lnSpc>
+                <a:spcPct val="90000"/>
+              </a:lnSpc>
+              <a:buFontTx/>
+              <a:buNone/>
+            </a:pPr>
+            <a:r>
+              <a:rPr lang="da-DK" dirty="0" err="1" smtClean="0"/>
+              <a:t>else</a:t>
+            </a:r>
+            <a:r>
+              <a:rPr lang="da-DK" dirty="0" smtClean="0"/>
+              <a:t> </a:t>
+            </a:r>
+          </a:p>
+          <a:p>
+            <a:pPr defTabSz="762000">
+              <a:lnSpc>
+                <a:spcPct val="90000"/>
+              </a:lnSpc>
+              <a:buFontTx/>
+              <a:buNone/>
+            </a:pPr>
+            <a:r>
+              <a:rPr lang="da-DK" dirty="0"/>
+              <a:t>	</a:t>
+            </a:r>
+            <a:r>
+              <a:rPr lang="da-DK" dirty="0" err="1" smtClean="0"/>
+              <a:t>if</a:t>
+            </a:r>
+            <a:r>
+              <a:rPr lang="da-DK" dirty="0" smtClean="0"/>
+              <a:t> </a:t>
+            </a:r>
+            <a:r>
+              <a:rPr lang="da-DK" dirty="0" err="1" smtClean="0"/>
+              <a:t>root</a:t>
+            </a:r>
+            <a:r>
+              <a:rPr lang="da-DK" dirty="0" smtClean="0"/>
+              <a:t> match the </a:t>
+            </a:r>
+            <a:r>
+              <a:rPr lang="da-DK" dirty="0" err="1" smtClean="0"/>
+              <a:t>key</a:t>
+            </a:r>
+            <a:r>
+              <a:rPr lang="da-DK" dirty="0" smtClean="0"/>
+              <a:t>  </a:t>
+            </a:r>
+            <a:endParaRPr lang="da-DK" dirty="0"/>
+          </a:p>
+          <a:p>
+            <a:pPr lvl="1" defTabSz="762000">
+              <a:lnSpc>
+                <a:spcPct val="90000"/>
+              </a:lnSpc>
+              <a:buFontTx/>
+              <a:buNone/>
+            </a:pPr>
+            <a:r>
+              <a:rPr lang="da-DK" sz="3200" dirty="0"/>
+              <a:t>	element </a:t>
+            </a:r>
+            <a:r>
+              <a:rPr lang="da-DK" sz="3200" dirty="0" err="1" smtClean="0"/>
+              <a:t>found</a:t>
+            </a:r>
+            <a:endParaRPr lang="da-DK" sz="3200" dirty="0"/>
+          </a:p>
+          <a:p>
+            <a:pPr defTabSz="762000">
+              <a:lnSpc>
+                <a:spcPct val="110000"/>
+              </a:lnSpc>
+              <a:buFontTx/>
+              <a:buNone/>
+            </a:pPr>
+            <a:r>
+              <a:rPr lang="da-DK" b="1" dirty="0"/>
+              <a:t>	</a:t>
+            </a:r>
+            <a:r>
+              <a:rPr lang="da-DK" dirty="0" err="1" smtClean="0"/>
+              <a:t>else</a:t>
+            </a:r>
+            <a:r>
+              <a:rPr lang="da-DK" dirty="0" smtClean="0"/>
+              <a:t> </a:t>
+            </a:r>
+          </a:p>
+          <a:p>
+            <a:pPr defTabSz="762000">
+              <a:lnSpc>
+                <a:spcPct val="110000"/>
+              </a:lnSpc>
+              <a:buFontTx/>
+              <a:buNone/>
+            </a:pPr>
+            <a:r>
+              <a:rPr lang="da-DK" dirty="0"/>
+              <a:t>	</a:t>
+            </a:r>
+            <a:r>
+              <a:rPr lang="da-DK" dirty="0" smtClean="0"/>
+              <a:t>	</a:t>
+            </a:r>
+            <a:r>
+              <a:rPr lang="da-DK" dirty="0" err="1" smtClean="0"/>
+              <a:t>if</a:t>
+            </a:r>
+            <a:r>
+              <a:rPr lang="da-DK" dirty="0" smtClean="0"/>
+              <a:t> </a:t>
+            </a:r>
+            <a:r>
+              <a:rPr lang="da-DK" dirty="0" err="1" smtClean="0"/>
+              <a:t>key</a:t>
+            </a:r>
+            <a:r>
+              <a:rPr lang="da-DK" dirty="0" smtClean="0"/>
+              <a:t> &lt; </a:t>
+            </a:r>
+            <a:r>
+              <a:rPr lang="da-DK" dirty="0" err="1" smtClean="0"/>
+              <a:t>root-value</a:t>
+            </a:r>
+            <a:r>
+              <a:rPr lang="da-DK" dirty="0" smtClean="0"/>
+              <a:t> </a:t>
+            </a:r>
+            <a:r>
+              <a:rPr lang="da-DK" b="1" dirty="0" smtClean="0"/>
+              <a:t> </a:t>
+            </a:r>
+            <a:endParaRPr lang="da-DK" b="1" dirty="0"/>
+          </a:p>
+          <a:p>
+            <a:pPr lvl="2" defTabSz="762000">
+              <a:lnSpc>
+                <a:spcPct val="90000"/>
+              </a:lnSpc>
+              <a:buFontTx/>
+              <a:buNone/>
+            </a:pPr>
+            <a:r>
+              <a:rPr lang="da-DK" b="1" dirty="0"/>
+              <a:t>	</a:t>
+            </a:r>
+            <a:r>
+              <a:rPr lang="da-DK" b="1" dirty="0" err="1" smtClean="0"/>
+              <a:t>search</a:t>
+            </a:r>
+            <a:r>
+              <a:rPr lang="da-DK" b="1" dirty="0" smtClean="0"/>
+              <a:t> in the </a:t>
+            </a:r>
+            <a:r>
+              <a:rPr lang="da-DK" b="1" dirty="0" err="1" smtClean="0"/>
+              <a:t>left</a:t>
+            </a:r>
+            <a:r>
+              <a:rPr lang="da-DK" b="1" dirty="0" smtClean="0"/>
+              <a:t> sub </a:t>
+            </a:r>
+            <a:r>
+              <a:rPr lang="da-DK" b="1" dirty="0" err="1" smtClean="0"/>
+              <a:t>tree</a:t>
+            </a:r>
+            <a:r>
+              <a:rPr lang="da-DK" b="1" dirty="0" smtClean="0"/>
+              <a:t>       (</a:t>
+            </a:r>
+            <a:r>
+              <a:rPr lang="da-DK" b="1" dirty="0" err="1" smtClean="0"/>
+              <a:t>repeat</a:t>
+            </a:r>
+            <a:r>
+              <a:rPr lang="da-DK" b="1" dirty="0" smtClean="0"/>
+              <a:t>)</a:t>
+            </a:r>
+            <a:endParaRPr lang="da-DK" b="1" dirty="0"/>
+          </a:p>
+          <a:p>
+            <a:pPr lvl="1" defTabSz="762000">
+              <a:lnSpc>
+                <a:spcPct val="80000"/>
+              </a:lnSpc>
+              <a:buFontTx/>
+              <a:buNone/>
+            </a:pPr>
+            <a:r>
+              <a:rPr lang="da-DK" dirty="0"/>
+              <a:t>	</a:t>
+            </a:r>
+            <a:r>
+              <a:rPr lang="da-DK" dirty="0" err="1" smtClean="0"/>
+              <a:t>else</a:t>
+            </a:r>
+            <a:endParaRPr lang="da-DK" dirty="0"/>
+          </a:p>
+          <a:p>
+            <a:pPr lvl="2" defTabSz="762000">
+              <a:lnSpc>
+                <a:spcPct val="70000"/>
+              </a:lnSpc>
+              <a:buFontTx/>
+              <a:buNone/>
+            </a:pPr>
+            <a:r>
+              <a:rPr lang="da-DK" b="1" dirty="0"/>
+              <a:t>	</a:t>
+            </a:r>
+            <a:r>
+              <a:rPr lang="da-DK" b="1" dirty="0" err="1" smtClean="0"/>
+              <a:t>search</a:t>
+            </a:r>
+            <a:r>
+              <a:rPr lang="da-DK" b="1" dirty="0" smtClean="0"/>
+              <a:t> in the right sub </a:t>
+            </a:r>
+            <a:r>
+              <a:rPr lang="da-DK" b="1" dirty="0" err="1" smtClean="0"/>
+              <a:t>tree</a:t>
+            </a:r>
+            <a:r>
+              <a:rPr lang="da-DK" b="1" dirty="0" smtClean="0"/>
+              <a:t> 	(</a:t>
+            </a:r>
+            <a:r>
+              <a:rPr lang="da-DK" b="1" dirty="0" err="1" smtClean="0"/>
+              <a:t>repeat</a:t>
+            </a:r>
+            <a:r>
+              <a:rPr lang="da-DK" b="1" dirty="0" smtClean="0"/>
+              <a:t>)</a:t>
+            </a:r>
+            <a:endParaRPr lang="da-DK" b="1" dirty="0"/>
+          </a:p>
+        </p:txBody>
+      </p:sp>
+      <p:sp>
+        <p:nvSpPr>
+          <p:cNvPr id="2" name="Date Placeholder 1"/>
+          <p:cNvSpPr>
+            <a:spLocks noGrp="1"/>
+          </p:cNvSpPr>
+          <p:nvPr>
+            <p:ph type="dt" sz="half" idx="10"/>
+          </p:nvPr>
+        </p:nvSpPr>
+        <p:spPr/>
+        <p:txBody>
+          <a:bodyPr/>
+          <a:lstStyle/>
+          <a:p>
+            <a:r>
+              <a:rPr lang="da-DK" smtClean="0"/>
+              <a:t>hau</a:t>
+            </a:r>
+            <a:endParaRPr lang="da-DK"/>
+          </a:p>
+        </p:txBody>
+      </p:sp>
+      <p:sp>
+        <p:nvSpPr>
+          <p:cNvPr id="3" name="Slide Number Placeholder 2"/>
+          <p:cNvSpPr>
+            <a:spLocks noGrp="1"/>
+          </p:cNvSpPr>
+          <p:nvPr>
+            <p:ph type="sldNum" sz="quarter" idx="12"/>
+          </p:nvPr>
+        </p:nvSpPr>
+        <p:spPr/>
+        <p:txBody>
+          <a:bodyPr/>
+          <a:lstStyle/>
+          <a:p>
+            <a:fld id="{DAB94411-2297-4BD0-B197-35E3682289EC}" type="slidenum">
+              <a:rPr lang="da-DK" smtClean="0"/>
+              <a:t>9</a:t>
+            </a:fld>
+            <a:endParaRPr lang="da-DK"/>
+          </a:p>
+        </p:txBody>
+      </p:sp>
+    </p:spTree>
+    <p:extLst>
+      <p:ext uri="{BB962C8B-B14F-4D97-AF65-F5344CB8AC3E}">
+        <p14:creationId xmlns:p14="http://schemas.microsoft.com/office/powerpoint/2010/main" val="4105772667"/>
+      </p:ext>
+    </p:extLst>
+  </p:cSld>
+  <p:clrMapOvr>
+    <a:masterClrMapping/>
+  </p:clrMapOvr>
+  <p:transition/>
   <p:timing>
     <p:tnLst>
       <p:par>

--- a/slides/day2Recursion and Binary trees.pptx
+++ b/slides/day2Recursion and Binary trees.pptx
@@ -5,10 +5,10 @@
     <p:sldMasterId id="2147483648" r:id="rId1"/>
   </p:sldMasterIdLst>
   <p:notesMasterIdLst>
-    <p:notesMasterId r:id="rId15"/>
+    <p:notesMasterId r:id="rId16"/>
   </p:notesMasterIdLst>
   <p:handoutMasterIdLst>
-    <p:handoutMasterId r:id="rId16"/>
+    <p:handoutMasterId r:id="rId17"/>
   </p:handoutMasterIdLst>
   <p:sldIdLst>
     <p:sldId id="267" r:id="rId2"/>
@@ -24,6 +24,7 @@
     <p:sldId id="264" r:id="rId12"/>
     <p:sldId id="268" r:id="rId13"/>
     <p:sldId id="265" r:id="rId14"/>
+    <p:sldId id="274" r:id="rId15"/>
   </p:sldIdLst>
   <p:sldSz cx="9144000" cy="6858000" type="screen4x3"/>
   <p:notesSz cx="6884988" cy="10018713"/>
@@ -6183,6 +6184,266 @@
       </p:par>
     </p:tnLst>
   </p:timing>
+</p:sld>
+</file>
+
+<file path=ppt/slides/slide14.xml><?xml version="1.0" encoding="utf-8"?>
+<p:sld xmlns:a="http://schemas.openxmlformats.org/drawingml/2006/main" xmlns:r="http://schemas.openxmlformats.org/officeDocument/2006/relationships" xmlns:p="http://schemas.openxmlformats.org/presentationml/2006/main">
+  <p:cSld>
+    <p:spTree>
+      <p:nvGrpSpPr>
+        <p:cNvPr id="1" name=""/>
+        <p:cNvGrpSpPr/>
+        <p:nvPr/>
+      </p:nvGrpSpPr>
+      <p:grpSpPr>
+        <a:xfrm>
+          <a:off x="0" y="0"/>
+          <a:ext cx="0" cy="0"/>
+          <a:chOff x="0" y="0"/>
+          <a:chExt cx="0" cy="0"/>
+        </a:xfrm>
+      </p:grpSpPr>
+      <p:sp>
+        <p:nvSpPr>
+          <p:cNvPr id="2" name="Title 1"/>
+          <p:cNvSpPr>
+            <a:spLocks noGrp="1"/>
+          </p:cNvSpPr>
+          <p:nvPr>
+            <p:ph type="title"/>
+          </p:nvPr>
+        </p:nvSpPr>
+        <p:spPr/>
+        <p:txBody>
+          <a:bodyPr/>
+          <a:lstStyle/>
+          <a:p>
+            <a:r>
+              <a:rPr lang="en-US" dirty="0" smtClean="0"/>
+              <a:t>For Wednesday</a:t>
+            </a:r>
+            <a:endParaRPr lang="en-US" dirty="0"/>
+          </a:p>
+        </p:txBody>
+      </p:sp>
+      <p:sp>
+        <p:nvSpPr>
+          <p:cNvPr id="3" name="Content Placeholder 2"/>
+          <p:cNvSpPr>
+            <a:spLocks noGrp="1"/>
+          </p:cNvSpPr>
+          <p:nvPr>
+            <p:ph idx="1"/>
+          </p:nvPr>
+        </p:nvSpPr>
+        <p:spPr/>
+        <p:txBody>
+          <a:bodyPr/>
+          <a:lstStyle/>
+          <a:p>
+            <a:pPr marL="0" marR="0" lvl="0" indent="0" defTabSz="914400" eaLnBrk="1" fontAlgn="auto" latinLnBrk="0" hangingPunct="1">
+              <a:lnSpc>
+                <a:spcPct val="100000"/>
+              </a:lnSpc>
+              <a:spcBef>
+                <a:spcPts val="0"/>
+              </a:spcBef>
+              <a:spcAft>
+                <a:spcPts val="0"/>
+              </a:spcAft>
+              <a:buClrTx/>
+              <a:buSzTx/>
+              <a:buFontTx/>
+              <a:buNone/>
+              <a:tabLst/>
+              <a:defRPr/>
+            </a:pPr>
+            <a:r>
+              <a:rPr lang="en-US" dirty="0" smtClean="0"/>
+              <a:t>View the </a:t>
+            </a:r>
+            <a:r>
+              <a:rPr lang="en-US" dirty="0" err="1" smtClean="0"/>
+              <a:t>Lynda.com</a:t>
+            </a:r>
+            <a:r>
+              <a:rPr lang="en-US" dirty="0" smtClean="0"/>
+              <a:t> video’s mentioned in the </a:t>
+            </a:r>
+            <a:r>
+              <a:rPr lang="en-US" dirty="0" err="1" smtClean="0"/>
+              <a:t>readme.md</a:t>
+            </a:r>
+            <a:r>
+              <a:rPr lang="en-US" dirty="0" smtClean="0"/>
+              <a:t> file</a:t>
+            </a:r>
+          </a:p>
+          <a:p>
+            <a:pPr marL="0" marR="0" lvl="0" indent="0" defTabSz="914400" eaLnBrk="1" fontAlgn="auto" latinLnBrk="0" hangingPunct="1">
+              <a:lnSpc>
+                <a:spcPct val="100000"/>
+              </a:lnSpc>
+              <a:spcBef>
+                <a:spcPts val="0"/>
+              </a:spcBef>
+              <a:spcAft>
+                <a:spcPts val="0"/>
+              </a:spcAft>
+              <a:buClrTx/>
+              <a:buSzTx/>
+              <a:buFontTx/>
+              <a:buNone/>
+              <a:tabLst/>
+              <a:defRPr/>
+            </a:pPr>
+            <a:endParaRPr lang="en-US" dirty="0"/>
+          </a:p>
+          <a:p>
+            <a:pPr marL="0" marR="0" lvl="0" indent="0" defTabSz="914400" eaLnBrk="1" fontAlgn="auto" latinLnBrk="0" hangingPunct="1">
+              <a:lnSpc>
+                <a:spcPct val="100000"/>
+              </a:lnSpc>
+              <a:spcBef>
+                <a:spcPts val="0"/>
+              </a:spcBef>
+              <a:spcAft>
+                <a:spcPts val="0"/>
+              </a:spcAft>
+              <a:buClrTx/>
+              <a:buSzTx/>
+              <a:buFontTx/>
+              <a:buNone/>
+              <a:tabLst/>
+              <a:defRPr/>
+            </a:pPr>
+            <a:r>
+              <a:rPr lang="en-US" dirty="0" smtClean="0"/>
+              <a:t>Exercise B.10 (and redo those you did not get to do)</a:t>
+            </a:r>
+          </a:p>
+          <a:p>
+            <a:pPr marL="0" marR="0" lvl="0" indent="0" defTabSz="914400" eaLnBrk="1" fontAlgn="auto" latinLnBrk="0" hangingPunct="1">
+              <a:lnSpc>
+                <a:spcPct val="100000"/>
+              </a:lnSpc>
+              <a:spcBef>
+                <a:spcPts val="0"/>
+              </a:spcBef>
+              <a:spcAft>
+                <a:spcPts val="0"/>
+              </a:spcAft>
+              <a:buClrTx/>
+              <a:buSzTx/>
+              <a:buFontTx/>
+              <a:buNone/>
+              <a:tabLst/>
+              <a:defRPr/>
+            </a:pPr>
+            <a:endParaRPr lang="en-US" dirty="0"/>
+          </a:p>
+          <a:p>
+            <a:pPr marL="0" marR="0" lvl="0" indent="0" defTabSz="914400" eaLnBrk="1" fontAlgn="auto" latinLnBrk="0" hangingPunct="1">
+              <a:lnSpc>
+                <a:spcPct val="100000"/>
+              </a:lnSpc>
+              <a:spcBef>
+                <a:spcPts val="0"/>
+              </a:spcBef>
+              <a:spcAft>
+                <a:spcPts val="0"/>
+              </a:spcAft>
+              <a:buClrTx/>
+              <a:buSzTx/>
+              <a:buFontTx/>
+              <a:buNone/>
+              <a:tabLst/>
+              <a:defRPr/>
+            </a:pPr>
+            <a:endParaRPr lang="en-US" dirty="0" smtClean="0"/>
+          </a:p>
+        </p:txBody>
+      </p:sp>
+      <p:sp>
+        <p:nvSpPr>
+          <p:cNvPr id="4" name="Date Placeholder 3"/>
+          <p:cNvSpPr>
+            <a:spLocks noGrp="1"/>
+          </p:cNvSpPr>
+          <p:nvPr>
+            <p:ph type="dt" sz="half" idx="10"/>
+          </p:nvPr>
+        </p:nvSpPr>
+        <p:spPr/>
+        <p:txBody>
+          <a:bodyPr/>
+          <a:lstStyle/>
+          <a:p>
+            <a:r>
+              <a:rPr lang="da-DK" smtClean="0"/>
+              <a:t>hau</a:t>
+            </a:r>
+            <a:endParaRPr lang="da-DK"/>
+          </a:p>
+        </p:txBody>
+      </p:sp>
+      <p:sp>
+        <p:nvSpPr>
+          <p:cNvPr id="5" name="Footer Placeholder 4"/>
+          <p:cNvSpPr>
+            <a:spLocks noGrp="1"/>
+          </p:cNvSpPr>
+          <p:nvPr>
+            <p:ph type="ftr" sz="quarter" idx="11"/>
+          </p:nvPr>
+        </p:nvSpPr>
+        <p:spPr/>
+        <p:txBody>
+          <a:bodyPr/>
+          <a:lstStyle/>
+          <a:p>
+            <a:r>
+              <a:rPr lang="da-DK" smtClean="0"/>
+              <a:t>Recursion and Binary Trees</a:t>
+            </a:r>
+            <a:endParaRPr lang="da-DK"/>
+          </a:p>
+        </p:txBody>
+      </p:sp>
+      <p:sp>
+        <p:nvSpPr>
+          <p:cNvPr id="6" name="Slide Number Placeholder 5"/>
+          <p:cNvSpPr>
+            <a:spLocks noGrp="1"/>
+          </p:cNvSpPr>
+          <p:nvPr>
+            <p:ph type="sldNum" sz="quarter" idx="12"/>
+          </p:nvPr>
+        </p:nvSpPr>
+        <p:spPr/>
+        <p:txBody>
+          <a:bodyPr/>
+          <a:lstStyle/>
+          <a:p>
+            <a:fld id="{DAB94411-2297-4BD0-B197-35E3682289EC}" type="slidenum">
+              <a:rPr lang="da-DK" smtClean="0"/>
+              <a:t>14</a:t>
+            </a:fld>
+            <a:endParaRPr lang="da-DK"/>
+          </a:p>
+        </p:txBody>
+      </p:sp>
+    </p:spTree>
+    <p:extLst>
+      <p:ext uri="{BB962C8B-B14F-4D97-AF65-F5344CB8AC3E}">
+        <p14:creationId xmlns:p14="http://schemas.microsoft.com/office/powerpoint/2010/main" val="1237909074"/>
+      </p:ext>
+    </p:extLst>
+  </p:cSld>
+  <p:clrMapOvr>
+    <a:masterClrMapping/>
+  </p:clrMapOvr>
 </p:sld>
 </file>
 

--- a/slides/day2Recursion and Binary trees.pptx
+++ b/slides/day2Recursion and Binary trees.pptx
@@ -4766,11 +4766,7 @@
             </a:r>
             <a:r>
               <a:rPr lang="da-DK" dirty="0" smtClean="0"/>
-              <a:t>O(n</a:t>
-            </a:r>
-            <a:r>
-              <a:rPr lang="da-DK" dirty="0" smtClean="0"/>
-              <a:t>)</a:t>
+              <a:t>O(n)</a:t>
             </a:r>
             <a:br>
               <a:rPr lang="da-DK" dirty="0" smtClean="0"/>
@@ -7012,54 +7008,6 @@
       </p:sp>
       <p:sp>
         <p:nvSpPr>
-          <p:cNvPr id="55300" name="Oval 4"/>
-          <p:cNvSpPr>
-            <a:spLocks noChangeArrowheads="1"/>
-          </p:cNvSpPr>
-          <p:nvPr/>
-        </p:nvSpPr>
-        <p:spPr bwMode="auto">
-          <a:xfrm>
-            <a:off x="-1295400" y="3124200"/>
-            <a:ext cx="1066800" cy="990600"/>
-          </a:xfrm>
-          <a:prstGeom prst="ellipse">
-            <a:avLst/>
-          </a:prstGeom>
-          <a:solidFill>
-            <a:srgbClr val="FF0000"/>
-          </a:solidFill>
-          <a:ln w="9525">
-            <a:solidFill>
-              <a:schemeClr val="tx1"/>
-            </a:solidFill>
-            <a:round/>
-            <a:headEnd/>
-            <a:tailEnd/>
-          </a:ln>
-          <a:effectLst/>
-          <a:extLst>
-            <a:ext uri="{AF507438-7753-43E0-B8FC-AC1667EBCBE1}">
-              <a14:hiddenEffects xmlns:a14="http://schemas.microsoft.com/office/drawing/2010/main">
-                <a:effectLst>
-                  <a:outerShdw dist="35921" dir="2700000" algn="ctr" rotWithShape="0">
-                    <a:schemeClr val="bg2"/>
-                  </a:outerShdw>
-                </a:effectLst>
-              </a14:hiddenEffects>
-            </a:ext>
-          </a:extLst>
-        </p:spPr>
-        <p:txBody>
-          <a:bodyPr wrap="none" anchor="ctr"/>
-          <a:lstStyle/>
-          <a:p>
-            <a:endParaRPr lang="da-DK"/>
-          </a:p>
-        </p:txBody>
-      </p:sp>
-      <p:sp>
-        <p:nvSpPr>
           <p:cNvPr id="2" name="Footer Placeholder 1"/>
           <p:cNvSpPr>
             <a:spLocks noGrp="1"/>
@@ -7140,78 +7088,9 @@
   <p:timing>
     <p:tnLst>
       <p:par>
-        <p:cTn id="1" dur="indefinite" restart="never" nodeType="tmRoot">
-          <p:childTnLst>
-            <p:seq concurrent="1" nextAc="seek">
-              <p:cTn id="2" dur="indefinite" nodeType="mainSeq">
-                <p:childTnLst>
-                  <p:par>
-                    <p:cTn id="3" fill="hold" nodeType="clickPar">
-                      <p:stCondLst>
-                        <p:cond delay="indefinite"/>
-                        <p:cond evt="onBegin" delay="0">
-                          <p:tn val="2"/>
-                        </p:cond>
-                      </p:stCondLst>
-                      <p:childTnLst>
-                        <p:par>
-                          <p:cTn id="4" fill="hold" nodeType="withGroup">
-                            <p:stCondLst>
-                              <p:cond delay="0"/>
-                            </p:stCondLst>
-                            <p:childTnLst>
-                              <p:par>
-                                <p:cTn id="5" presetID="37" presetClass="path" presetSubtype="0" accel="50000" decel="50000" fill="hold" grpId="0" nodeType="afterEffect">
-                                  <p:stCondLst>
-                                    <p:cond delay="3000"/>
-                                  </p:stCondLst>
-                                  <p:childTnLst>
-                                    <p:animMotion origin="layout" path="M -0.11667 -0.06106 L 0.23819 0.037 C 0.31267 0.0592 0.42396 0.07192 0.5401 0.07192 C 0.67239 0.07192 0.77795 0.0592 0.85277 0.037 L 1.20833 -0.06106 " pathEditMode="relative" rAng="0" ptsTypes="FffFF">
-                                      <p:cBhvr>
-                                        <p:cTn id="6" dur="1000" fill="hold"/>
-                                        <p:tgtEl>
-                                          <p:spTgt spid="55300"/>
-                                        </p:tgtEl>
-                                        <p:attrNameLst>
-                                          <p:attrName>ppt_x</p:attrName>
-                                          <p:attrName>ppt_y</p:attrName>
-                                        </p:attrNameLst>
-                                      </p:cBhvr>
-                                      <p:rCtr x="66250" y="6637"/>
-                                    </p:animMotion>
-                                  </p:childTnLst>
-                                </p:cTn>
-                              </p:par>
-                            </p:childTnLst>
-                          </p:cTn>
-                        </p:par>
-                      </p:childTnLst>
-                    </p:cTn>
-                  </p:par>
-                </p:childTnLst>
-              </p:cTn>
-              <p:prevCondLst>
-                <p:cond evt="onPrev" delay="0">
-                  <p:tgtEl>
-                    <p:sldTgt/>
-                  </p:tgtEl>
-                </p:cond>
-              </p:prevCondLst>
-              <p:nextCondLst>
-                <p:cond evt="onNext" delay="0">
-                  <p:tgtEl>
-                    <p:sldTgt/>
-                  </p:tgtEl>
-                </p:cond>
-              </p:nextCondLst>
-            </p:seq>
-          </p:childTnLst>
-        </p:cTn>
+        <p:cTn id="1" dur="indefinite" restart="never" nodeType="tmRoot"/>
       </p:par>
     </p:tnLst>
-    <p:bldLst>
-      <p:bldP spid="55300" grpId="0" animBg="1"/>
-    </p:bldLst>
   </p:timing>
 </p:sld>
 </file>
@@ -7286,8 +7165,144 @@
             </a:pPr>
             <a:r>
               <a:rPr lang="en-US" dirty="0" smtClean="0"/>
-              <a:t>Solve exercise A-1 from day2excercises</a:t>
-            </a:r>
+              <a:t>Solve exercise A-1 from </a:t>
+            </a:r>
+            <a:r>
+              <a:rPr lang="en-US" dirty="0" smtClean="0"/>
+              <a:t>day2excercises</a:t>
+            </a:r>
+          </a:p>
+          <a:p>
+            <a:pPr marL="0" marR="0" lvl="0" indent="0" defTabSz="914400" eaLnBrk="1" fontAlgn="auto" latinLnBrk="0" hangingPunct="1">
+              <a:lnSpc>
+                <a:spcPct val="100000"/>
+              </a:lnSpc>
+              <a:spcBef>
+                <a:spcPts val="0"/>
+              </a:spcBef>
+              <a:spcAft>
+                <a:spcPts val="0"/>
+              </a:spcAft>
+              <a:buClrTx/>
+              <a:buSzTx/>
+              <a:buFontTx/>
+              <a:buNone/>
+              <a:tabLst/>
+              <a:defRPr/>
+            </a:pPr>
+            <a:endParaRPr lang="en-US" dirty="0"/>
+          </a:p>
+          <a:p>
+            <a:pPr marL="0" lvl="0" indent="0">
+              <a:spcBef>
+                <a:spcPts val="0"/>
+              </a:spcBef>
+              <a:buNone/>
+              <a:defRPr/>
+            </a:pPr>
+            <a:r>
+              <a:rPr lang="en-US" dirty="0"/>
+              <a:t>Solve the exercises </a:t>
+            </a:r>
+            <a:endParaRPr lang="en-US" dirty="0" smtClean="0"/>
+          </a:p>
+          <a:p>
+            <a:pPr>
+              <a:spcBef>
+                <a:spcPts val="0"/>
+              </a:spcBef>
+              <a:defRPr/>
+            </a:pPr>
+            <a:r>
+              <a:rPr lang="en-US" dirty="0" smtClean="0"/>
+              <a:t>factorial</a:t>
+            </a:r>
+            <a:r>
+              <a:rPr lang="en-US" dirty="0"/>
+              <a:t>, </a:t>
+            </a:r>
+            <a:endParaRPr lang="en-US" dirty="0" smtClean="0"/>
+          </a:p>
+          <a:p>
+            <a:pPr>
+              <a:spcBef>
+                <a:spcPts val="0"/>
+              </a:spcBef>
+              <a:defRPr/>
+            </a:pPr>
+            <a:r>
+              <a:rPr lang="en-US" dirty="0" err="1" smtClean="0"/>
+              <a:t>bunnyEars</a:t>
+            </a:r>
+            <a:r>
+              <a:rPr lang="en-US" dirty="0"/>
+              <a:t>, </a:t>
+            </a:r>
+            <a:endParaRPr lang="en-US" dirty="0" smtClean="0"/>
+          </a:p>
+          <a:p>
+            <a:pPr>
+              <a:spcBef>
+                <a:spcPts val="0"/>
+              </a:spcBef>
+              <a:defRPr/>
+            </a:pPr>
+            <a:r>
+              <a:rPr lang="en-US" dirty="0" smtClean="0"/>
+              <a:t>bunnyEars2</a:t>
+            </a:r>
+            <a:r>
+              <a:rPr lang="en-US" dirty="0"/>
+              <a:t>, </a:t>
+            </a:r>
+            <a:endParaRPr lang="en-US" dirty="0" smtClean="0"/>
+          </a:p>
+          <a:p>
+            <a:pPr>
+              <a:spcBef>
+                <a:spcPts val="0"/>
+              </a:spcBef>
+              <a:defRPr/>
+            </a:pPr>
+            <a:r>
+              <a:rPr lang="en-US" dirty="0" smtClean="0"/>
+              <a:t>triangle </a:t>
+            </a:r>
+          </a:p>
+          <a:p>
+            <a:pPr marL="0" lvl="0" indent="0">
+              <a:spcBef>
+                <a:spcPts val="0"/>
+              </a:spcBef>
+              <a:buNone/>
+              <a:defRPr/>
+            </a:pPr>
+            <a:r>
+              <a:rPr lang="en-US" dirty="0" smtClean="0"/>
+              <a:t>from</a:t>
+            </a:r>
+          </a:p>
+          <a:p>
+            <a:pPr marL="0" lvl="0" indent="0">
+              <a:spcBef>
+                <a:spcPts val="0"/>
+              </a:spcBef>
+              <a:buNone/>
+              <a:defRPr/>
+            </a:pPr>
+            <a:r>
+              <a:rPr lang="en-US" dirty="0" smtClean="0">
+                <a:hlinkClick r:id="rId2"/>
+              </a:rPr>
+              <a:t>http</a:t>
+            </a:r>
+            <a:r>
+              <a:rPr lang="en-US" dirty="0">
+                <a:hlinkClick r:id="rId2"/>
+              </a:rPr>
+              <a:t>://codingbat.com/java/Recursion-1</a:t>
+            </a:r>
+            <a:endParaRPr lang="en-US" dirty="0" smtClean="0"/>
           </a:p>
           <a:p>
             <a:pPr marL="0" marR="0" lvl="0" indent="0" defTabSz="914400" eaLnBrk="1" fontAlgn="auto" latinLnBrk="0" hangingPunct="1">
